--- a/Skaidres/16_paskaita (Triukai su sąrašais).pptx
+++ b/Skaidres/16_paskaita (Triukai su sąrašais).pptx
@@ -105,10 +105,10 @@
             <a:noAutofit/>
           </a:bodyPr>
           <a:p>
-            <a:endParaRPr b="0" lang="en-US" sz="1800" spc="-1" strike="noStrike">
-              <a:solidFill>
-                <a:srgbClr val="000000"/>
-              </a:solidFill>
+            <a:pPr algn="ctr">
+              <a:buNone/>
+            </a:pPr>
+            <a:endParaRPr b="0" lang="lt-LT" sz="4400" spc="-1" strike="noStrike">
               <a:latin typeface="Arial"/>
             </a:endParaRPr>
           </a:p>
@@ -142,19 +142,7 @@
             <a:normAutofit/>
           </a:bodyPr>
           <a:p>
-            <a:pPr>
-              <a:lnSpc>
-                <a:spcPct val="90000"/>
-              </a:lnSpc>
-              <a:spcBef>
-                <a:spcPts val="1417"/>
-              </a:spcBef>
-              <a:buNone/>
-            </a:pPr>
-            <a:endParaRPr b="0" lang="en-US" sz="2800" spc="-1" strike="noStrike">
-              <a:solidFill>
-                <a:srgbClr val="000000"/>
-              </a:solidFill>
+            <a:endParaRPr b="0" lang="lt-LT" sz="3200" spc="-1" strike="noStrike">
               <a:latin typeface="Arial"/>
             </a:endParaRPr>
           </a:p>
@@ -188,19 +176,7 @@
             <a:normAutofit/>
           </a:bodyPr>
           <a:p>
-            <a:pPr>
-              <a:lnSpc>
-                <a:spcPct val="90000"/>
-              </a:lnSpc>
-              <a:spcBef>
-                <a:spcPts val="1417"/>
-              </a:spcBef>
-              <a:buNone/>
-            </a:pPr>
-            <a:endParaRPr b="0" lang="en-US" sz="2800" spc="-1" strike="noStrike">
-              <a:solidFill>
-                <a:srgbClr val="000000"/>
-              </a:solidFill>
+            <a:endParaRPr b="0" lang="lt-LT" sz="3200" spc="-1" strike="noStrike">
               <a:latin typeface="Arial"/>
             </a:endParaRPr>
           </a:p>
@@ -256,10 +232,10 @@
             <a:noAutofit/>
           </a:bodyPr>
           <a:p>
-            <a:endParaRPr b="0" lang="en-US" sz="1800" spc="-1" strike="noStrike">
-              <a:solidFill>
-                <a:srgbClr val="000000"/>
-              </a:solidFill>
+            <a:pPr algn="ctr">
+              <a:buNone/>
+            </a:pPr>
+            <a:endParaRPr b="0" lang="lt-LT" sz="4400" spc="-1" strike="noStrike">
               <a:latin typeface="Arial"/>
             </a:endParaRPr>
           </a:p>
@@ -293,19 +269,7 @@
             <a:normAutofit/>
           </a:bodyPr>
           <a:p>
-            <a:pPr>
-              <a:lnSpc>
-                <a:spcPct val="90000"/>
-              </a:lnSpc>
-              <a:spcBef>
-                <a:spcPts val="1417"/>
-              </a:spcBef>
-              <a:buNone/>
-            </a:pPr>
-            <a:endParaRPr b="0" lang="en-US" sz="2800" spc="-1" strike="noStrike">
-              <a:solidFill>
-                <a:srgbClr val="000000"/>
-              </a:solidFill>
+            <a:endParaRPr b="0" lang="lt-LT" sz="3200" spc="-1" strike="noStrike">
               <a:latin typeface="Arial"/>
             </a:endParaRPr>
           </a:p>
@@ -339,19 +303,7 @@
             <a:normAutofit/>
           </a:bodyPr>
           <a:p>
-            <a:pPr>
-              <a:lnSpc>
-                <a:spcPct val="90000"/>
-              </a:lnSpc>
-              <a:spcBef>
-                <a:spcPts val="1417"/>
-              </a:spcBef>
-              <a:buNone/>
-            </a:pPr>
-            <a:endParaRPr b="0" lang="en-US" sz="2800" spc="-1" strike="noStrike">
-              <a:solidFill>
-                <a:srgbClr val="000000"/>
-              </a:solidFill>
+            <a:endParaRPr b="0" lang="lt-LT" sz="3200" spc="-1" strike="noStrike">
               <a:latin typeface="Arial"/>
             </a:endParaRPr>
           </a:p>
@@ -385,19 +337,7 @@
             <a:normAutofit/>
           </a:bodyPr>
           <a:p>
-            <a:pPr>
-              <a:lnSpc>
-                <a:spcPct val="90000"/>
-              </a:lnSpc>
-              <a:spcBef>
-                <a:spcPts val="1417"/>
-              </a:spcBef>
-              <a:buNone/>
-            </a:pPr>
-            <a:endParaRPr b="0" lang="en-US" sz="2800" spc="-1" strike="noStrike">
-              <a:solidFill>
-                <a:srgbClr val="000000"/>
-              </a:solidFill>
+            <a:endParaRPr b="0" lang="lt-LT" sz="3200" spc="-1" strike="noStrike">
               <a:latin typeface="Arial"/>
             </a:endParaRPr>
           </a:p>
@@ -431,19 +371,7 @@
             <a:normAutofit/>
           </a:bodyPr>
           <a:p>
-            <a:pPr>
-              <a:lnSpc>
-                <a:spcPct val="90000"/>
-              </a:lnSpc>
-              <a:spcBef>
-                <a:spcPts val="1417"/>
-              </a:spcBef>
-              <a:buNone/>
-            </a:pPr>
-            <a:endParaRPr b="0" lang="en-US" sz="2800" spc="-1" strike="noStrike">
-              <a:solidFill>
-                <a:srgbClr val="000000"/>
-              </a:solidFill>
+            <a:endParaRPr b="0" lang="lt-LT" sz="3200" spc="-1" strike="noStrike">
               <a:latin typeface="Arial"/>
             </a:endParaRPr>
           </a:p>
@@ -499,10 +427,10 @@
             <a:noAutofit/>
           </a:bodyPr>
           <a:p>
-            <a:endParaRPr b="0" lang="en-US" sz="1800" spc="-1" strike="noStrike">
-              <a:solidFill>
-                <a:srgbClr val="000000"/>
-              </a:solidFill>
+            <a:pPr algn="ctr">
+              <a:buNone/>
+            </a:pPr>
+            <a:endParaRPr b="0" lang="lt-LT" sz="4400" spc="-1" strike="noStrike">
               <a:latin typeface="Arial"/>
             </a:endParaRPr>
           </a:p>
@@ -536,19 +464,7 @@
             <a:normAutofit/>
           </a:bodyPr>
           <a:p>
-            <a:pPr>
-              <a:lnSpc>
-                <a:spcPct val="90000"/>
-              </a:lnSpc>
-              <a:spcBef>
-                <a:spcPts val="1417"/>
-              </a:spcBef>
-              <a:buNone/>
-            </a:pPr>
-            <a:endParaRPr b="0" lang="en-US" sz="2800" spc="-1" strike="noStrike">
-              <a:solidFill>
-                <a:srgbClr val="000000"/>
-              </a:solidFill>
+            <a:endParaRPr b="0" lang="lt-LT" sz="3200" spc="-1" strike="noStrike">
               <a:latin typeface="Arial"/>
             </a:endParaRPr>
           </a:p>
@@ -582,19 +498,7 @@
             <a:normAutofit/>
           </a:bodyPr>
           <a:p>
-            <a:pPr>
-              <a:lnSpc>
-                <a:spcPct val="90000"/>
-              </a:lnSpc>
-              <a:spcBef>
-                <a:spcPts val="1417"/>
-              </a:spcBef>
-              <a:buNone/>
-            </a:pPr>
-            <a:endParaRPr b="0" lang="en-US" sz="2800" spc="-1" strike="noStrike">
-              <a:solidFill>
-                <a:srgbClr val="000000"/>
-              </a:solidFill>
+            <a:endParaRPr b="0" lang="lt-LT" sz="3200" spc="-1" strike="noStrike">
               <a:latin typeface="Arial"/>
             </a:endParaRPr>
           </a:p>
@@ -628,19 +532,7 @@
             <a:normAutofit/>
           </a:bodyPr>
           <a:p>
-            <a:pPr>
-              <a:lnSpc>
-                <a:spcPct val="90000"/>
-              </a:lnSpc>
-              <a:spcBef>
-                <a:spcPts val="1417"/>
-              </a:spcBef>
-              <a:buNone/>
-            </a:pPr>
-            <a:endParaRPr b="0" lang="en-US" sz="2800" spc="-1" strike="noStrike">
-              <a:solidFill>
-                <a:srgbClr val="000000"/>
-              </a:solidFill>
+            <a:endParaRPr b="0" lang="lt-LT" sz="3200" spc="-1" strike="noStrike">
               <a:latin typeface="Arial"/>
             </a:endParaRPr>
           </a:p>
@@ -674,19 +566,7 @@
             <a:normAutofit/>
           </a:bodyPr>
           <a:p>
-            <a:pPr>
-              <a:lnSpc>
-                <a:spcPct val="90000"/>
-              </a:lnSpc>
-              <a:spcBef>
-                <a:spcPts val="1417"/>
-              </a:spcBef>
-              <a:buNone/>
-            </a:pPr>
-            <a:endParaRPr b="0" lang="en-US" sz="2800" spc="-1" strike="noStrike">
-              <a:solidFill>
-                <a:srgbClr val="000000"/>
-              </a:solidFill>
+            <a:endParaRPr b="0" lang="lt-LT" sz="3200" spc="-1" strike="noStrike">
               <a:latin typeface="Arial"/>
             </a:endParaRPr>
           </a:p>
@@ -720,19 +600,7 @@
             <a:normAutofit/>
           </a:bodyPr>
           <a:p>
-            <a:pPr>
-              <a:lnSpc>
-                <a:spcPct val="90000"/>
-              </a:lnSpc>
-              <a:spcBef>
-                <a:spcPts val="1417"/>
-              </a:spcBef>
-              <a:buNone/>
-            </a:pPr>
-            <a:endParaRPr b="0" lang="en-US" sz="2800" spc="-1" strike="noStrike">
-              <a:solidFill>
-                <a:srgbClr val="000000"/>
-              </a:solidFill>
+            <a:endParaRPr b="0" lang="lt-LT" sz="3200" spc="-1" strike="noStrike">
               <a:latin typeface="Arial"/>
             </a:endParaRPr>
           </a:p>
@@ -766,19 +634,7 @@
             <a:normAutofit/>
           </a:bodyPr>
           <a:p>
-            <a:pPr>
-              <a:lnSpc>
-                <a:spcPct val="90000"/>
-              </a:lnSpc>
-              <a:spcBef>
-                <a:spcPts val="1417"/>
-              </a:spcBef>
-              <a:buNone/>
-            </a:pPr>
-            <a:endParaRPr b="0" lang="en-US" sz="2800" spc="-1" strike="noStrike">
-              <a:solidFill>
-                <a:srgbClr val="000000"/>
-              </a:solidFill>
+            <a:endParaRPr b="0" lang="lt-LT" sz="3200" spc="-1" strike="noStrike">
               <a:latin typeface="Arial"/>
             </a:endParaRPr>
           </a:p>
@@ -856,10 +712,10 @@
             <a:noAutofit/>
           </a:bodyPr>
           <a:p>
-            <a:endParaRPr b="0" lang="en-US" sz="1800" spc="-1" strike="noStrike">
-              <a:solidFill>
-                <a:srgbClr val="000000"/>
-              </a:solidFill>
+            <a:pPr algn="ctr">
+              <a:buNone/>
+            </a:pPr>
+            <a:endParaRPr b="0" lang="lt-LT" sz="4400" spc="-1" strike="noStrike">
               <a:latin typeface="Arial"/>
             </a:endParaRPr>
           </a:p>
@@ -952,10 +808,10 @@
             <a:noAutofit/>
           </a:bodyPr>
           <a:p>
-            <a:endParaRPr b="0" lang="en-US" sz="1800" spc="-1" strike="noStrike">
-              <a:solidFill>
-                <a:srgbClr val="000000"/>
-              </a:solidFill>
+            <a:pPr algn="ctr">
+              <a:buNone/>
+            </a:pPr>
+            <a:endParaRPr b="0" lang="lt-LT" sz="4400" spc="-1" strike="noStrike">
               <a:latin typeface="Arial"/>
             </a:endParaRPr>
           </a:p>
@@ -989,19 +845,7 @@
             <a:normAutofit/>
           </a:bodyPr>
           <a:p>
-            <a:pPr>
-              <a:lnSpc>
-                <a:spcPct val="90000"/>
-              </a:lnSpc>
-              <a:spcBef>
-                <a:spcPts val="1417"/>
-              </a:spcBef>
-              <a:buNone/>
-            </a:pPr>
-            <a:endParaRPr b="0" lang="en-US" sz="2800" spc="-1" strike="noStrike">
-              <a:solidFill>
-                <a:srgbClr val="000000"/>
-              </a:solidFill>
+            <a:endParaRPr b="0" lang="lt-LT" sz="3200" spc="-1" strike="noStrike">
               <a:latin typeface="Arial"/>
             </a:endParaRPr>
           </a:p>
@@ -1057,10 +901,10 @@
             <a:noAutofit/>
           </a:bodyPr>
           <a:p>
-            <a:endParaRPr b="0" lang="en-US" sz="1800" spc="-1" strike="noStrike">
-              <a:solidFill>
-                <a:srgbClr val="000000"/>
-              </a:solidFill>
+            <a:pPr algn="ctr">
+              <a:buNone/>
+            </a:pPr>
+            <a:endParaRPr b="0" lang="lt-LT" sz="4400" spc="-1" strike="noStrike">
               <a:latin typeface="Arial"/>
             </a:endParaRPr>
           </a:p>
@@ -1094,19 +938,7 @@
             <a:normAutofit/>
           </a:bodyPr>
           <a:p>
-            <a:pPr>
-              <a:lnSpc>
-                <a:spcPct val="90000"/>
-              </a:lnSpc>
-              <a:spcBef>
-                <a:spcPts val="1417"/>
-              </a:spcBef>
-              <a:buNone/>
-            </a:pPr>
-            <a:endParaRPr b="0" lang="en-US" sz="2800" spc="-1" strike="noStrike">
-              <a:solidFill>
-                <a:srgbClr val="000000"/>
-              </a:solidFill>
+            <a:endParaRPr b="0" lang="lt-LT" sz="3200" spc="-1" strike="noStrike">
               <a:latin typeface="Arial"/>
             </a:endParaRPr>
           </a:p>
@@ -1140,19 +972,7 @@
             <a:normAutofit/>
           </a:bodyPr>
           <a:p>
-            <a:pPr>
-              <a:lnSpc>
-                <a:spcPct val="90000"/>
-              </a:lnSpc>
-              <a:spcBef>
-                <a:spcPts val="1417"/>
-              </a:spcBef>
-              <a:buNone/>
-            </a:pPr>
-            <a:endParaRPr b="0" lang="en-US" sz="2800" spc="-1" strike="noStrike">
-              <a:solidFill>
-                <a:srgbClr val="000000"/>
-              </a:solidFill>
+            <a:endParaRPr b="0" lang="lt-LT" sz="3200" spc="-1" strike="noStrike">
               <a:latin typeface="Arial"/>
             </a:endParaRPr>
           </a:p>
@@ -1208,10 +1028,10 @@
             <a:noAutofit/>
           </a:bodyPr>
           <a:p>
-            <a:endParaRPr b="0" lang="en-US" sz="1800" spc="-1" strike="noStrike">
-              <a:solidFill>
-                <a:srgbClr val="000000"/>
-              </a:solidFill>
+            <a:pPr algn="ctr">
+              <a:buNone/>
+            </a:pPr>
+            <a:endParaRPr b="0" lang="lt-LT" sz="4400" spc="-1" strike="noStrike">
               <a:latin typeface="Arial"/>
             </a:endParaRPr>
           </a:p>
@@ -1326,10 +1146,10 @@
             <a:noAutofit/>
           </a:bodyPr>
           <a:p>
-            <a:endParaRPr b="0" lang="en-US" sz="1800" spc="-1" strike="noStrike">
-              <a:solidFill>
-                <a:srgbClr val="000000"/>
-              </a:solidFill>
+            <a:pPr algn="ctr">
+              <a:buNone/>
+            </a:pPr>
+            <a:endParaRPr b="0" lang="lt-LT" sz="4400" spc="-1" strike="noStrike">
               <a:latin typeface="Arial"/>
             </a:endParaRPr>
           </a:p>
@@ -1363,19 +1183,7 @@
             <a:normAutofit/>
           </a:bodyPr>
           <a:p>
-            <a:pPr>
-              <a:lnSpc>
-                <a:spcPct val="90000"/>
-              </a:lnSpc>
-              <a:spcBef>
-                <a:spcPts val="1417"/>
-              </a:spcBef>
-              <a:buNone/>
-            </a:pPr>
-            <a:endParaRPr b="0" lang="en-US" sz="2800" spc="-1" strike="noStrike">
-              <a:solidFill>
-                <a:srgbClr val="000000"/>
-              </a:solidFill>
+            <a:endParaRPr b="0" lang="lt-LT" sz="3200" spc="-1" strike="noStrike">
               <a:latin typeface="Arial"/>
             </a:endParaRPr>
           </a:p>
@@ -1409,19 +1217,7 @@
             <a:normAutofit/>
           </a:bodyPr>
           <a:p>
-            <a:pPr>
-              <a:lnSpc>
-                <a:spcPct val="90000"/>
-              </a:lnSpc>
-              <a:spcBef>
-                <a:spcPts val="1417"/>
-              </a:spcBef>
-              <a:buNone/>
-            </a:pPr>
-            <a:endParaRPr b="0" lang="en-US" sz="2800" spc="-1" strike="noStrike">
-              <a:solidFill>
-                <a:srgbClr val="000000"/>
-              </a:solidFill>
+            <a:endParaRPr b="0" lang="lt-LT" sz="3200" spc="-1" strike="noStrike">
               <a:latin typeface="Arial"/>
             </a:endParaRPr>
           </a:p>
@@ -1455,19 +1251,7 @@
             <a:normAutofit/>
           </a:bodyPr>
           <a:p>
-            <a:pPr>
-              <a:lnSpc>
-                <a:spcPct val="90000"/>
-              </a:lnSpc>
-              <a:spcBef>
-                <a:spcPts val="1417"/>
-              </a:spcBef>
-              <a:buNone/>
-            </a:pPr>
-            <a:endParaRPr b="0" lang="en-US" sz="2800" spc="-1" strike="noStrike">
-              <a:solidFill>
-                <a:srgbClr val="000000"/>
-              </a:solidFill>
+            <a:endParaRPr b="0" lang="lt-LT" sz="3200" spc="-1" strike="noStrike">
               <a:latin typeface="Arial"/>
             </a:endParaRPr>
           </a:p>
@@ -1523,10 +1307,10 @@
             <a:noAutofit/>
           </a:bodyPr>
           <a:p>
-            <a:endParaRPr b="0" lang="en-US" sz="1800" spc="-1" strike="noStrike">
-              <a:solidFill>
-                <a:srgbClr val="000000"/>
-              </a:solidFill>
+            <a:pPr algn="ctr">
+              <a:buNone/>
+            </a:pPr>
+            <a:endParaRPr b="0" lang="lt-LT" sz="4400" spc="-1" strike="noStrike">
               <a:latin typeface="Arial"/>
             </a:endParaRPr>
           </a:p>
@@ -1619,10 +1403,10 @@
             <a:noAutofit/>
           </a:bodyPr>
           <a:p>
-            <a:endParaRPr b="0" lang="en-US" sz="1800" spc="-1" strike="noStrike">
-              <a:solidFill>
-                <a:srgbClr val="000000"/>
-              </a:solidFill>
+            <a:pPr algn="ctr">
+              <a:buNone/>
+            </a:pPr>
+            <a:endParaRPr b="0" lang="lt-LT" sz="4400" spc="-1" strike="noStrike">
               <a:latin typeface="Arial"/>
             </a:endParaRPr>
           </a:p>
@@ -1656,19 +1440,7 @@
             <a:normAutofit/>
           </a:bodyPr>
           <a:p>
-            <a:pPr>
-              <a:lnSpc>
-                <a:spcPct val="90000"/>
-              </a:lnSpc>
-              <a:spcBef>
-                <a:spcPts val="1417"/>
-              </a:spcBef>
-              <a:buNone/>
-            </a:pPr>
-            <a:endParaRPr b="0" lang="en-US" sz="2800" spc="-1" strike="noStrike">
-              <a:solidFill>
-                <a:srgbClr val="000000"/>
-              </a:solidFill>
+            <a:endParaRPr b="0" lang="lt-LT" sz="3200" spc="-1" strike="noStrike">
               <a:latin typeface="Arial"/>
             </a:endParaRPr>
           </a:p>
@@ -1702,19 +1474,7 @@
             <a:normAutofit/>
           </a:bodyPr>
           <a:p>
-            <a:pPr>
-              <a:lnSpc>
-                <a:spcPct val="90000"/>
-              </a:lnSpc>
-              <a:spcBef>
-                <a:spcPts val="1417"/>
-              </a:spcBef>
-              <a:buNone/>
-            </a:pPr>
-            <a:endParaRPr b="0" lang="en-US" sz="2800" spc="-1" strike="noStrike">
-              <a:solidFill>
-                <a:srgbClr val="000000"/>
-              </a:solidFill>
+            <a:endParaRPr b="0" lang="lt-LT" sz="3200" spc="-1" strike="noStrike">
               <a:latin typeface="Arial"/>
             </a:endParaRPr>
           </a:p>
@@ -1748,19 +1508,7 @@
             <a:normAutofit/>
           </a:bodyPr>
           <a:p>
-            <a:pPr>
-              <a:lnSpc>
-                <a:spcPct val="90000"/>
-              </a:lnSpc>
-              <a:spcBef>
-                <a:spcPts val="1417"/>
-              </a:spcBef>
-              <a:buNone/>
-            </a:pPr>
-            <a:endParaRPr b="0" lang="en-US" sz="2800" spc="-1" strike="noStrike">
-              <a:solidFill>
-                <a:srgbClr val="000000"/>
-              </a:solidFill>
+            <a:endParaRPr b="0" lang="lt-LT" sz="3200" spc="-1" strike="noStrike">
               <a:latin typeface="Arial"/>
             </a:endParaRPr>
           </a:p>
@@ -1816,10 +1564,10 @@
             <a:noAutofit/>
           </a:bodyPr>
           <a:p>
-            <a:endParaRPr b="0" lang="en-US" sz="1800" spc="-1" strike="noStrike">
-              <a:solidFill>
-                <a:srgbClr val="000000"/>
-              </a:solidFill>
+            <a:pPr algn="ctr">
+              <a:buNone/>
+            </a:pPr>
+            <a:endParaRPr b="0" lang="lt-LT" sz="4400" spc="-1" strike="noStrike">
               <a:latin typeface="Arial"/>
             </a:endParaRPr>
           </a:p>
@@ -1853,19 +1601,7 @@
             <a:normAutofit/>
           </a:bodyPr>
           <a:p>
-            <a:pPr>
-              <a:lnSpc>
-                <a:spcPct val="90000"/>
-              </a:lnSpc>
-              <a:spcBef>
-                <a:spcPts val="1417"/>
-              </a:spcBef>
-              <a:buNone/>
-            </a:pPr>
-            <a:endParaRPr b="0" lang="en-US" sz="2800" spc="-1" strike="noStrike">
-              <a:solidFill>
-                <a:srgbClr val="000000"/>
-              </a:solidFill>
+            <a:endParaRPr b="0" lang="lt-LT" sz="3200" spc="-1" strike="noStrike">
               <a:latin typeface="Arial"/>
             </a:endParaRPr>
           </a:p>
@@ -1899,19 +1635,7 @@
             <a:normAutofit/>
           </a:bodyPr>
           <a:p>
-            <a:pPr>
-              <a:lnSpc>
-                <a:spcPct val="90000"/>
-              </a:lnSpc>
-              <a:spcBef>
-                <a:spcPts val="1417"/>
-              </a:spcBef>
-              <a:buNone/>
-            </a:pPr>
-            <a:endParaRPr b="0" lang="en-US" sz="2800" spc="-1" strike="noStrike">
-              <a:solidFill>
-                <a:srgbClr val="000000"/>
-              </a:solidFill>
+            <a:endParaRPr b="0" lang="lt-LT" sz="3200" spc="-1" strike="noStrike">
               <a:latin typeface="Arial"/>
             </a:endParaRPr>
           </a:p>
@@ -1945,19 +1669,7 @@
             <a:normAutofit/>
           </a:bodyPr>
           <a:p>
-            <a:pPr>
-              <a:lnSpc>
-                <a:spcPct val="90000"/>
-              </a:lnSpc>
-              <a:spcBef>
-                <a:spcPts val="1417"/>
-              </a:spcBef>
-              <a:buNone/>
-            </a:pPr>
-            <a:endParaRPr b="0" lang="en-US" sz="2800" spc="-1" strike="noStrike">
-              <a:solidFill>
-                <a:srgbClr val="000000"/>
-              </a:solidFill>
+            <a:endParaRPr b="0" lang="lt-LT" sz="3200" spc="-1" strike="noStrike">
               <a:latin typeface="Arial"/>
             </a:endParaRPr>
           </a:p>
@@ -2013,10 +1725,10 @@
             <a:noAutofit/>
           </a:bodyPr>
           <a:p>
-            <a:endParaRPr b="0" lang="en-US" sz="1800" spc="-1" strike="noStrike">
-              <a:solidFill>
-                <a:srgbClr val="000000"/>
-              </a:solidFill>
+            <a:pPr algn="ctr">
+              <a:buNone/>
+            </a:pPr>
+            <a:endParaRPr b="0" lang="lt-LT" sz="4400" spc="-1" strike="noStrike">
               <a:latin typeface="Arial"/>
             </a:endParaRPr>
           </a:p>
@@ -2050,19 +1762,7 @@
             <a:normAutofit/>
           </a:bodyPr>
           <a:p>
-            <a:pPr>
-              <a:lnSpc>
-                <a:spcPct val="90000"/>
-              </a:lnSpc>
-              <a:spcBef>
-                <a:spcPts val="1417"/>
-              </a:spcBef>
-              <a:buNone/>
-            </a:pPr>
-            <a:endParaRPr b="0" lang="en-US" sz="2800" spc="-1" strike="noStrike">
-              <a:solidFill>
-                <a:srgbClr val="000000"/>
-              </a:solidFill>
+            <a:endParaRPr b="0" lang="lt-LT" sz="3200" spc="-1" strike="noStrike">
               <a:latin typeface="Arial"/>
             </a:endParaRPr>
           </a:p>
@@ -2096,19 +1796,7 @@
             <a:normAutofit/>
           </a:bodyPr>
           <a:p>
-            <a:pPr>
-              <a:lnSpc>
-                <a:spcPct val="90000"/>
-              </a:lnSpc>
-              <a:spcBef>
-                <a:spcPts val="1417"/>
-              </a:spcBef>
-              <a:buNone/>
-            </a:pPr>
-            <a:endParaRPr b="0" lang="en-US" sz="2800" spc="-1" strike="noStrike">
-              <a:solidFill>
-                <a:srgbClr val="000000"/>
-              </a:solidFill>
+            <a:endParaRPr b="0" lang="lt-LT" sz="3200" spc="-1" strike="noStrike">
               <a:latin typeface="Arial"/>
             </a:endParaRPr>
           </a:p>
@@ -2164,10 +1852,10 @@
             <a:noAutofit/>
           </a:bodyPr>
           <a:p>
-            <a:endParaRPr b="0" lang="en-US" sz="1800" spc="-1" strike="noStrike">
-              <a:solidFill>
-                <a:srgbClr val="000000"/>
-              </a:solidFill>
+            <a:pPr algn="ctr">
+              <a:buNone/>
+            </a:pPr>
+            <a:endParaRPr b="0" lang="lt-LT" sz="4400" spc="-1" strike="noStrike">
               <a:latin typeface="Arial"/>
             </a:endParaRPr>
           </a:p>
@@ -2201,19 +1889,7 @@
             <a:normAutofit/>
           </a:bodyPr>
           <a:p>
-            <a:pPr>
-              <a:lnSpc>
-                <a:spcPct val="90000"/>
-              </a:lnSpc>
-              <a:spcBef>
-                <a:spcPts val="1417"/>
-              </a:spcBef>
-              <a:buNone/>
-            </a:pPr>
-            <a:endParaRPr b="0" lang="en-US" sz="2800" spc="-1" strike="noStrike">
-              <a:solidFill>
-                <a:srgbClr val="000000"/>
-              </a:solidFill>
+            <a:endParaRPr b="0" lang="lt-LT" sz="3200" spc="-1" strike="noStrike">
               <a:latin typeface="Arial"/>
             </a:endParaRPr>
           </a:p>
@@ -2247,19 +1923,7 @@
             <a:normAutofit/>
           </a:bodyPr>
           <a:p>
-            <a:pPr>
-              <a:lnSpc>
-                <a:spcPct val="90000"/>
-              </a:lnSpc>
-              <a:spcBef>
-                <a:spcPts val="1417"/>
-              </a:spcBef>
-              <a:buNone/>
-            </a:pPr>
-            <a:endParaRPr b="0" lang="en-US" sz="2800" spc="-1" strike="noStrike">
-              <a:solidFill>
-                <a:srgbClr val="000000"/>
-              </a:solidFill>
+            <a:endParaRPr b="0" lang="lt-LT" sz="3200" spc="-1" strike="noStrike">
               <a:latin typeface="Arial"/>
             </a:endParaRPr>
           </a:p>
@@ -2293,19 +1957,7 @@
             <a:normAutofit/>
           </a:bodyPr>
           <a:p>
-            <a:pPr>
-              <a:lnSpc>
-                <a:spcPct val="90000"/>
-              </a:lnSpc>
-              <a:spcBef>
-                <a:spcPts val="1417"/>
-              </a:spcBef>
-              <a:buNone/>
-            </a:pPr>
-            <a:endParaRPr b="0" lang="en-US" sz="2800" spc="-1" strike="noStrike">
-              <a:solidFill>
-                <a:srgbClr val="000000"/>
-              </a:solidFill>
+            <a:endParaRPr b="0" lang="lt-LT" sz="3200" spc="-1" strike="noStrike">
               <a:latin typeface="Arial"/>
             </a:endParaRPr>
           </a:p>
@@ -2339,19 +1991,7 @@
             <a:normAutofit/>
           </a:bodyPr>
           <a:p>
-            <a:pPr>
-              <a:lnSpc>
-                <a:spcPct val="90000"/>
-              </a:lnSpc>
-              <a:spcBef>
-                <a:spcPts val="1417"/>
-              </a:spcBef>
-              <a:buNone/>
-            </a:pPr>
-            <a:endParaRPr b="0" lang="en-US" sz="2800" spc="-1" strike="noStrike">
-              <a:solidFill>
-                <a:srgbClr val="000000"/>
-              </a:solidFill>
+            <a:endParaRPr b="0" lang="lt-LT" sz="3200" spc="-1" strike="noStrike">
               <a:latin typeface="Arial"/>
             </a:endParaRPr>
           </a:p>
@@ -2407,10 +2047,10 @@
             <a:noAutofit/>
           </a:bodyPr>
           <a:p>
-            <a:endParaRPr b="0" lang="en-US" sz="1800" spc="-1" strike="noStrike">
-              <a:solidFill>
-                <a:srgbClr val="000000"/>
-              </a:solidFill>
+            <a:pPr algn="ctr">
+              <a:buNone/>
+            </a:pPr>
+            <a:endParaRPr b="0" lang="lt-LT" sz="4400" spc="-1" strike="noStrike">
               <a:latin typeface="Arial"/>
             </a:endParaRPr>
           </a:p>
@@ -2444,19 +2084,7 @@
             <a:normAutofit/>
           </a:bodyPr>
           <a:p>
-            <a:pPr>
-              <a:lnSpc>
-                <a:spcPct val="90000"/>
-              </a:lnSpc>
-              <a:spcBef>
-                <a:spcPts val="1417"/>
-              </a:spcBef>
-              <a:buNone/>
-            </a:pPr>
-            <a:endParaRPr b="0" lang="en-US" sz="2800" spc="-1" strike="noStrike">
-              <a:solidFill>
-                <a:srgbClr val="000000"/>
-              </a:solidFill>
+            <a:endParaRPr b="0" lang="lt-LT" sz="3200" spc="-1" strike="noStrike">
               <a:latin typeface="Arial"/>
             </a:endParaRPr>
           </a:p>
@@ -2490,19 +2118,7 @@
             <a:normAutofit/>
           </a:bodyPr>
           <a:p>
-            <a:pPr>
-              <a:lnSpc>
-                <a:spcPct val="90000"/>
-              </a:lnSpc>
-              <a:spcBef>
-                <a:spcPts val="1417"/>
-              </a:spcBef>
-              <a:buNone/>
-            </a:pPr>
-            <a:endParaRPr b="0" lang="en-US" sz="2800" spc="-1" strike="noStrike">
-              <a:solidFill>
-                <a:srgbClr val="000000"/>
-              </a:solidFill>
+            <a:endParaRPr b="0" lang="lt-LT" sz="3200" spc="-1" strike="noStrike">
               <a:latin typeface="Arial"/>
             </a:endParaRPr>
           </a:p>
@@ -2536,19 +2152,7 @@
             <a:normAutofit/>
           </a:bodyPr>
           <a:p>
-            <a:pPr>
-              <a:lnSpc>
-                <a:spcPct val="90000"/>
-              </a:lnSpc>
-              <a:spcBef>
-                <a:spcPts val="1417"/>
-              </a:spcBef>
-              <a:buNone/>
-            </a:pPr>
-            <a:endParaRPr b="0" lang="en-US" sz="2800" spc="-1" strike="noStrike">
-              <a:solidFill>
-                <a:srgbClr val="000000"/>
-              </a:solidFill>
+            <a:endParaRPr b="0" lang="lt-LT" sz="3200" spc="-1" strike="noStrike">
               <a:latin typeface="Arial"/>
             </a:endParaRPr>
           </a:p>
@@ -2582,19 +2186,7 @@
             <a:normAutofit/>
           </a:bodyPr>
           <a:p>
-            <a:pPr>
-              <a:lnSpc>
-                <a:spcPct val="90000"/>
-              </a:lnSpc>
-              <a:spcBef>
-                <a:spcPts val="1417"/>
-              </a:spcBef>
-              <a:buNone/>
-            </a:pPr>
-            <a:endParaRPr b="0" lang="en-US" sz="2800" spc="-1" strike="noStrike">
-              <a:solidFill>
-                <a:srgbClr val="000000"/>
-              </a:solidFill>
+            <a:endParaRPr b="0" lang="lt-LT" sz="3200" spc="-1" strike="noStrike">
               <a:latin typeface="Arial"/>
             </a:endParaRPr>
           </a:p>
@@ -2628,19 +2220,7 @@
             <a:normAutofit/>
           </a:bodyPr>
           <a:p>
-            <a:pPr>
-              <a:lnSpc>
-                <a:spcPct val="90000"/>
-              </a:lnSpc>
-              <a:spcBef>
-                <a:spcPts val="1417"/>
-              </a:spcBef>
-              <a:buNone/>
-            </a:pPr>
-            <a:endParaRPr b="0" lang="en-US" sz="2800" spc="-1" strike="noStrike">
-              <a:solidFill>
-                <a:srgbClr val="000000"/>
-              </a:solidFill>
+            <a:endParaRPr b="0" lang="lt-LT" sz="3200" spc="-1" strike="noStrike">
               <a:latin typeface="Arial"/>
             </a:endParaRPr>
           </a:p>
@@ -2674,19 +2254,7 @@
             <a:normAutofit/>
           </a:bodyPr>
           <a:p>
-            <a:pPr>
-              <a:lnSpc>
-                <a:spcPct val="90000"/>
-              </a:lnSpc>
-              <a:spcBef>
-                <a:spcPts val="1417"/>
-              </a:spcBef>
-              <a:buNone/>
-            </a:pPr>
-            <a:endParaRPr b="0" lang="en-US" sz="2800" spc="-1" strike="noStrike">
-              <a:solidFill>
-                <a:srgbClr val="000000"/>
-              </a:solidFill>
+            <a:endParaRPr b="0" lang="lt-LT" sz="3200" spc="-1" strike="noStrike">
               <a:latin typeface="Arial"/>
             </a:endParaRPr>
           </a:p>
@@ -2764,10 +2332,10 @@
             <a:noAutofit/>
           </a:bodyPr>
           <a:p>
-            <a:endParaRPr b="0" lang="en-US" sz="1800" spc="-1" strike="noStrike">
-              <a:solidFill>
-                <a:srgbClr val="000000"/>
-              </a:solidFill>
+            <a:pPr algn="ctr">
+              <a:buNone/>
+            </a:pPr>
+            <a:endParaRPr b="0" lang="lt-LT" sz="4400" spc="-1" strike="noStrike">
               <a:latin typeface="Arial"/>
             </a:endParaRPr>
           </a:p>
@@ -2860,10 +2428,10 @@
             <a:noAutofit/>
           </a:bodyPr>
           <a:p>
-            <a:endParaRPr b="0" lang="en-US" sz="1800" spc="-1" strike="noStrike">
-              <a:solidFill>
-                <a:srgbClr val="000000"/>
-              </a:solidFill>
+            <a:pPr algn="ctr">
+              <a:buNone/>
+            </a:pPr>
+            <a:endParaRPr b="0" lang="lt-LT" sz="4400" spc="-1" strike="noStrike">
               <a:latin typeface="Arial"/>
             </a:endParaRPr>
           </a:p>
@@ -2897,19 +2465,7 @@
             <a:normAutofit/>
           </a:bodyPr>
           <a:p>
-            <a:pPr>
-              <a:lnSpc>
-                <a:spcPct val="90000"/>
-              </a:lnSpc>
-              <a:spcBef>
-                <a:spcPts val="1417"/>
-              </a:spcBef>
-              <a:buNone/>
-            </a:pPr>
-            <a:endParaRPr b="0" lang="en-US" sz="2800" spc="-1" strike="noStrike">
-              <a:solidFill>
-                <a:srgbClr val="000000"/>
-              </a:solidFill>
+            <a:endParaRPr b="0" lang="lt-LT" sz="3200" spc="-1" strike="noStrike">
               <a:latin typeface="Arial"/>
             </a:endParaRPr>
           </a:p>
@@ -2965,10 +2521,10 @@
             <a:noAutofit/>
           </a:bodyPr>
           <a:p>
-            <a:endParaRPr b="0" lang="en-US" sz="1800" spc="-1" strike="noStrike">
-              <a:solidFill>
-                <a:srgbClr val="000000"/>
-              </a:solidFill>
+            <a:pPr algn="ctr">
+              <a:buNone/>
+            </a:pPr>
+            <a:endParaRPr b="0" lang="lt-LT" sz="4400" spc="-1" strike="noStrike">
               <a:latin typeface="Arial"/>
             </a:endParaRPr>
           </a:p>
@@ -3002,19 +2558,7 @@
             <a:normAutofit/>
           </a:bodyPr>
           <a:p>
-            <a:pPr>
-              <a:lnSpc>
-                <a:spcPct val="90000"/>
-              </a:lnSpc>
-              <a:spcBef>
-                <a:spcPts val="1417"/>
-              </a:spcBef>
-              <a:buNone/>
-            </a:pPr>
-            <a:endParaRPr b="0" lang="en-US" sz="2800" spc="-1" strike="noStrike">
-              <a:solidFill>
-                <a:srgbClr val="000000"/>
-              </a:solidFill>
+            <a:endParaRPr b="0" lang="lt-LT" sz="3200" spc="-1" strike="noStrike">
               <a:latin typeface="Arial"/>
             </a:endParaRPr>
           </a:p>
@@ -3048,19 +2592,7 @@
             <a:normAutofit/>
           </a:bodyPr>
           <a:p>
-            <a:pPr>
-              <a:lnSpc>
-                <a:spcPct val="90000"/>
-              </a:lnSpc>
-              <a:spcBef>
-                <a:spcPts val="1417"/>
-              </a:spcBef>
-              <a:buNone/>
-            </a:pPr>
-            <a:endParaRPr b="0" lang="en-US" sz="2800" spc="-1" strike="noStrike">
-              <a:solidFill>
-                <a:srgbClr val="000000"/>
-              </a:solidFill>
+            <a:endParaRPr b="0" lang="lt-LT" sz="3200" spc="-1" strike="noStrike">
               <a:latin typeface="Arial"/>
             </a:endParaRPr>
           </a:p>
@@ -3116,10 +2648,10 @@
             <a:noAutofit/>
           </a:bodyPr>
           <a:p>
-            <a:endParaRPr b="0" lang="en-US" sz="1800" spc="-1" strike="noStrike">
-              <a:solidFill>
-                <a:srgbClr val="000000"/>
-              </a:solidFill>
+            <a:pPr algn="ctr">
+              <a:buNone/>
+            </a:pPr>
+            <a:endParaRPr b="0" lang="lt-LT" sz="4400" spc="-1" strike="noStrike">
               <a:latin typeface="Arial"/>
             </a:endParaRPr>
           </a:p>
@@ -3175,10 +2707,10 @@
             <a:noAutofit/>
           </a:bodyPr>
           <a:p>
-            <a:endParaRPr b="0" lang="en-US" sz="1800" spc="-1" strike="noStrike">
-              <a:solidFill>
-                <a:srgbClr val="000000"/>
-              </a:solidFill>
+            <a:pPr algn="ctr">
+              <a:buNone/>
+            </a:pPr>
+            <a:endParaRPr b="0" lang="lt-LT" sz="4400" spc="-1" strike="noStrike">
               <a:latin typeface="Arial"/>
             </a:endParaRPr>
           </a:p>
@@ -3212,19 +2744,7 @@
             <a:normAutofit/>
           </a:bodyPr>
           <a:p>
-            <a:pPr>
-              <a:lnSpc>
-                <a:spcPct val="90000"/>
-              </a:lnSpc>
-              <a:spcBef>
-                <a:spcPts val="1417"/>
-              </a:spcBef>
-              <a:buNone/>
-            </a:pPr>
-            <a:endParaRPr b="0" lang="en-US" sz="2800" spc="-1" strike="noStrike">
-              <a:solidFill>
-                <a:srgbClr val="000000"/>
-              </a:solidFill>
+            <a:endParaRPr b="0" lang="lt-LT" sz="3200" spc="-1" strike="noStrike">
               <a:latin typeface="Arial"/>
             </a:endParaRPr>
           </a:p>
@@ -3339,10 +2859,10 @@
             <a:noAutofit/>
           </a:bodyPr>
           <a:p>
-            <a:endParaRPr b="0" lang="en-US" sz="1800" spc="-1" strike="noStrike">
-              <a:solidFill>
-                <a:srgbClr val="000000"/>
-              </a:solidFill>
+            <a:pPr algn="ctr">
+              <a:buNone/>
+            </a:pPr>
+            <a:endParaRPr b="0" lang="lt-LT" sz="4400" spc="-1" strike="noStrike">
               <a:latin typeface="Arial"/>
             </a:endParaRPr>
           </a:p>
@@ -3376,19 +2896,7 @@
             <a:normAutofit/>
           </a:bodyPr>
           <a:p>
-            <a:pPr>
-              <a:lnSpc>
-                <a:spcPct val="90000"/>
-              </a:lnSpc>
-              <a:spcBef>
-                <a:spcPts val="1417"/>
-              </a:spcBef>
-              <a:buNone/>
-            </a:pPr>
-            <a:endParaRPr b="0" lang="en-US" sz="2800" spc="-1" strike="noStrike">
-              <a:solidFill>
-                <a:srgbClr val="000000"/>
-              </a:solidFill>
+            <a:endParaRPr b="0" lang="lt-LT" sz="3200" spc="-1" strike="noStrike">
               <a:latin typeface="Arial"/>
             </a:endParaRPr>
           </a:p>
@@ -3422,19 +2930,7 @@
             <a:normAutofit/>
           </a:bodyPr>
           <a:p>
-            <a:pPr>
-              <a:lnSpc>
-                <a:spcPct val="90000"/>
-              </a:lnSpc>
-              <a:spcBef>
-                <a:spcPts val="1417"/>
-              </a:spcBef>
-              <a:buNone/>
-            </a:pPr>
-            <a:endParaRPr b="0" lang="en-US" sz="2800" spc="-1" strike="noStrike">
-              <a:solidFill>
-                <a:srgbClr val="000000"/>
-              </a:solidFill>
+            <a:endParaRPr b="0" lang="lt-LT" sz="3200" spc="-1" strike="noStrike">
               <a:latin typeface="Arial"/>
             </a:endParaRPr>
           </a:p>
@@ -3468,19 +2964,7 @@
             <a:normAutofit/>
           </a:bodyPr>
           <a:p>
-            <a:pPr>
-              <a:lnSpc>
-                <a:spcPct val="90000"/>
-              </a:lnSpc>
-              <a:spcBef>
-                <a:spcPts val="1417"/>
-              </a:spcBef>
-              <a:buNone/>
-            </a:pPr>
-            <a:endParaRPr b="0" lang="en-US" sz="2800" spc="-1" strike="noStrike">
-              <a:solidFill>
-                <a:srgbClr val="000000"/>
-              </a:solidFill>
+            <a:endParaRPr b="0" lang="lt-LT" sz="3200" spc="-1" strike="noStrike">
               <a:latin typeface="Arial"/>
             </a:endParaRPr>
           </a:p>
@@ -3536,10 +3020,10 @@
             <a:noAutofit/>
           </a:bodyPr>
           <a:p>
-            <a:endParaRPr b="0" lang="en-US" sz="1800" spc="-1" strike="noStrike">
-              <a:solidFill>
-                <a:srgbClr val="000000"/>
-              </a:solidFill>
+            <a:pPr algn="ctr">
+              <a:buNone/>
+            </a:pPr>
+            <a:endParaRPr b="0" lang="lt-LT" sz="4400" spc="-1" strike="noStrike">
               <a:latin typeface="Arial"/>
             </a:endParaRPr>
           </a:p>
@@ -3573,19 +3057,7 @@
             <a:normAutofit/>
           </a:bodyPr>
           <a:p>
-            <a:pPr>
-              <a:lnSpc>
-                <a:spcPct val="90000"/>
-              </a:lnSpc>
-              <a:spcBef>
-                <a:spcPts val="1417"/>
-              </a:spcBef>
-              <a:buNone/>
-            </a:pPr>
-            <a:endParaRPr b="0" lang="en-US" sz="2800" spc="-1" strike="noStrike">
-              <a:solidFill>
-                <a:srgbClr val="000000"/>
-              </a:solidFill>
+            <a:endParaRPr b="0" lang="lt-LT" sz="3200" spc="-1" strike="noStrike">
               <a:latin typeface="Arial"/>
             </a:endParaRPr>
           </a:p>
@@ -3619,19 +3091,7 @@
             <a:normAutofit/>
           </a:bodyPr>
           <a:p>
-            <a:pPr>
-              <a:lnSpc>
-                <a:spcPct val="90000"/>
-              </a:lnSpc>
-              <a:spcBef>
-                <a:spcPts val="1417"/>
-              </a:spcBef>
-              <a:buNone/>
-            </a:pPr>
-            <a:endParaRPr b="0" lang="en-US" sz="2800" spc="-1" strike="noStrike">
-              <a:solidFill>
-                <a:srgbClr val="000000"/>
-              </a:solidFill>
+            <a:endParaRPr b="0" lang="lt-LT" sz="3200" spc="-1" strike="noStrike">
               <a:latin typeface="Arial"/>
             </a:endParaRPr>
           </a:p>
@@ -3665,19 +3125,7 @@
             <a:normAutofit/>
           </a:bodyPr>
           <a:p>
-            <a:pPr>
-              <a:lnSpc>
-                <a:spcPct val="90000"/>
-              </a:lnSpc>
-              <a:spcBef>
-                <a:spcPts val="1417"/>
-              </a:spcBef>
-              <a:buNone/>
-            </a:pPr>
-            <a:endParaRPr b="0" lang="en-US" sz="2800" spc="-1" strike="noStrike">
-              <a:solidFill>
-                <a:srgbClr val="000000"/>
-              </a:solidFill>
+            <a:endParaRPr b="0" lang="lt-LT" sz="3200" spc="-1" strike="noStrike">
               <a:latin typeface="Arial"/>
             </a:endParaRPr>
           </a:p>
@@ -3733,10 +3181,10 @@
             <a:noAutofit/>
           </a:bodyPr>
           <a:p>
-            <a:endParaRPr b="0" lang="en-US" sz="1800" spc="-1" strike="noStrike">
-              <a:solidFill>
-                <a:srgbClr val="000000"/>
-              </a:solidFill>
+            <a:pPr algn="ctr">
+              <a:buNone/>
+            </a:pPr>
+            <a:endParaRPr b="0" lang="lt-LT" sz="4400" spc="-1" strike="noStrike">
               <a:latin typeface="Arial"/>
             </a:endParaRPr>
           </a:p>
@@ -3770,19 +3218,7 @@
             <a:normAutofit/>
           </a:bodyPr>
           <a:p>
-            <a:pPr>
-              <a:lnSpc>
-                <a:spcPct val="90000"/>
-              </a:lnSpc>
-              <a:spcBef>
-                <a:spcPts val="1417"/>
-              </a:spcBef>
-              <a:buNone/>
-            </a:pPr>
-            <a:endParaRPr b="0" lang="en-US" sz="2800" spc="-1" strike="noStrike">
-              <a:solidFill>
-                <a:srgbClr val="000000"/>
-              </a:solidFill>
+            <a:endParaRPr b="0" lang="lt-LT" sz="3200" spc="-1" strike="noStrike">
               <a:latin typeface="Arial"/>
             </a:endParaRPr>
           </a:p>
@@ -3816,19 +3252,7 @@
             <a:normAutofit/>
           </a:bodyPr>
           <a:p>
-            <a:pPr>
-              <a:lnSpc>
-                <a:spcPct val="90000"/>
-              </a:lnSpc>
-              <a:spcBef>
-                <a:spcPts val="1417"/>
-              </a:spcBef>
-              <a:buNone/>
-            </a:pPr>
-            <a:endParaRPr b="0" lang="en-US" sz="2800" spc="-1" strike="noStrike">
-              <a:solidFill>
-                <a:srgbClr val="000000"/>
-              </a:solidFill>
+            <a:endParaRPr b="0" lang="lt-LT" sz="3200" spc="-1" strike="noStrike">
               <a:latin typeface="Arial"/>
             </a:endParaRPr>
           </a:p>
@@ -3862,19 +3286,7 @@
             <a:normAutofit/>
           </a:bodyPr>
           <a:p>
-            <a:pPr>
-              <a:lnSpc>
-                <a:spcPct val="90000"/>
-              </a:lnSpc>
-              <a:spcBef>
-                <a:spcPts val="1417"/>
-              </a:spcBef>
-              <a:buNone/>
-            </a:pPr>
-            <a:endParaRPr b="0" lang="en-US" sz="2800" spc="-1" strike="noStrike">
-              <a:solidFill>
-                <a:srgbClr val="000000"/>
-              </a:solidFill>
+            <a:endParaRPr b="0" lang="lt-LT" sz="3200" spc="-1" strike="noStrike">
               <a:latin typeface="Arial"/>
             </a:endParaRPr>
           </a:p>
@@ -3930,10 +3342,10 @@
             <a:noAutofit/>
           </a:bodyPr>
           <a:p>
-            <a:endParaRPr b="0" lang="en-US" sz="1800" spc="-1" strike="noStrike">
-              <a:solidFill>
-                <a:srgbClr val="000000"/>
-              </a:solidFill>
+            <a:pPr algn="ctr">
+              <a:buNone/>
+            </a:pPr>
+            <a:endParaRPr b="0" lang="lt-LT" sz="4400" spc="-1" strike="noStrike">
               <a:latin typeface="Arial"/>
             </a:endParaRPr>
           </a:p>
@@ -3967,19 +3379,7 @@
             <a:normAutofit/>
           </a:bodyPr>
           <a:p>
-            <a:pPr>
-              <a:lnSpc>
-                <a:spcPct val="90000"/>
-              </a:lnSpc>
-              <a:spcBef>
-                <a:spcPts val="1417"/>
-              </a:spcBef>
-              <a:buNone/>
-            </a:pPr>
-            <a:endParaRPr b="0" lang="en-US" sz="2800" spc="-1" strike="noStrike">
-              <a:solidFill>
-                <a:srgbClr val="000000"/>
-              </a:solidFill>
+            <a:endParaRPr b="0" lang="lt-LT" sz="3200" spc="-1" strike="noStrike">
               <a:latin typeface="Arial"/>
             </a:endParaRPr>
           </a:p>
@@ -4013,19 +3413,7 @@
             <a:normAutofit/>
           </a:bodyPr>
           <a:p>
-            <a:pPr>
-              <a:lnSpc>
-                <a:spcPct val="90000"/>
-              </a:lnSpc>
-              <a:spcBef>
-                <a:spcPts val="1417"/>
-              </a:spcBef>
-              <a:buNone/>
-            </a:pPr>
-            <a:endParaRPr b="0" lang="en-US" sz="2800" spc="-1" strike="noStrike">
-              <a:solidFill>
-                <a:srgbClr val="000000"/>
-              </a:solidFill>
+            <a:endParaRPr b="0" lang="lt-LT" sz="3200" spc="-1" strike="noStrike">
               <a:latin typeface="Arial"/>
             </a:endParaRPr>
           </a:p>
@@ -4081,10 +3469,10 @@
             <a:noAutofit/>
           </a:bodyPr>
           <a:p>
-            <a:endParaRPr b="0" lang="en-US" sz="1800" spc="-1" strike="noStrike">
-              <a:solidFill>
-                <a:srgbClr val="000000"/>
-              </a:solidFill>
+            <a:pPr algn="ctr">
+              <a:buNone/>
+            </a:pPr>
+            <a:endParaRPr b="0" lang="lt-LT" sz="4400" spc="-1" strike="noStrike">
               <a:latin typeface="Arial"/>
             </a:endParaRPr>
           </a:p>
@@ -4118,19 +3506,7 @@
             <a:normAutofit/>
           </a:bodyPr>
           <a:p>
-            <a:pPr>
-              <a:lnSpc>
-                <a:spcPct val="90000"/>
-              </a:lnSpc>
-              <a:spcBef>
-                <a:spcPts val="1417"/>
-              </a:spcBef>
-              <a:buNone/>
-            </a:pPr>
-            <a:endParaRPr b="0" lang="en-US" sz="2800" spc="-1" strike="noStrike">
-              <a:solidFill>
-                <a:srgbClr val="000000"/>
-              </a:solidFill>
+            <a:endParaRPr b="0" lang="lt-LT" sz="3200" spc="-1" strike="noStrike">
               <a:latin typeface="Arial"/>
             </a:endParaRPr>
           </a:p>
@@ -4164,19 +3540,7 @@
             <a:normAutofit/>
           </a:bodyPr>
           <a:p>
-            <a:pPr>
-              <a:lnSpc>
-                <a:spcPct val="90000"/>
-              </a:lnSpc>
-              <a:spcBef>
-                <a:spcPts val="1417"/>
-              </a:spcBef>
-              <a:buNone/>
-            </a:pPr>
-            <a:endParaRPr b="0" lang="en-US" sz="2800" spc="-1" strike="noStrike">
-              <a:solidFill>
-                <a:srgbClr val="000000"/>
-              </a:solidFill>
+            <a:endParaRPr b="0" lang="lt-LT" sz="3200" spc="-1" strike="noStrike">
               <a:latin typeface="Arial"/>
             </a:endParaRPr>
           </a:p>
@@ -4210,19 +3574,7 @@
             <a:normAutofit/>
           </a:bodyPr>
           <a:p>
-            <a:pPr>
-              <a:lnSpc>
-                <a:spcPct val="90000"/>
-              </a:lnSpc>
-              <a:spcBef>
-                <a:spcPts val="1417"/>
-              </a:spcBef>
-              <a:buNone/>
-            </a:pPr>
-            <a:endParaRPr b="0" lang="en-US" sz="2800" spc="-1" strike="noStrike">
-              <a:solidFill>
-                <a:srgbClr val="000000"/>
-              </a:solidFill>
+            <a:endParaRPr b="0" lang="lt-LT" sz="3200" spc="-1" strike="noStrike">
               <a:latin typeface="Arial"/>
             </a:endParaRPr>
           </a:p>
@@ -4256,19 +3608,7 @@
             <a:normAutofit/>
           </a:bodyPr>
           <a:p>
-            <a:pPr>
-              <a:lnSpc>
-                <a:spcPct val="90000"/>
-              </a:lnSpc>
-              <a:spcBef>
-                <a:spcPts val="1417"/>
-              </a:spcBef>
-              <a:buNone/>
-            </a:pPr>
-            <a:endParaRPr b="0" lang="en-US" sz="2800" spc="-1" strike="noStrike">
-              <a:solidFill>
-                <a:srgbClr val="000000"/>
-              </a:solidFill>
+            <a:endParaRPr b="0" lang="lt-LT" sz="3200" spc="-1" strike="noStrike">
               <a:latin typeface="Arial"/>
             </a:endParaRPr>
           </a:p>
@@ -4324,10 +3664,10 @@
             <a:noAutofit/>
           </a:bodyPr>
           <a:p>
-            <a:endParaRPr b="0" lang="en-US" sz="1800" spc="-1" strike="noStrike">
-              <a:solidFill>
-                <a:srgbClr val="000000"/>
-              </a:solidFill>
+            <a:pPr algn="ctr">
+              <a:buNone/>
+            </a:pPr>
+            <a:endParaRPr b="0" lang="lt-LT" sz="4400" spc="-1" strike="noStrike">
               <a:latin typeface="Arial"/>
             </a:endParaRPr>
           </a:p>
@@ -4361,19 +3701,7 @@
             <a:normAutofit/>
           </a:bodyPr>
           <a:p>
-            <a:pPr>
-              <a:lnSpc>
-                <a:spcPct val="90000"/>
-              </a:lnSpc>
-              <a:spcBef>
-                <a:spcPts val="1417"/>
-              </a:spcBef>
-              <a:buNone/>
-            </a:pPr>
-            <a:endParaRPr b="0" lang="en-US" sz="2800" spc="-1" strike="noStrike">
-              <a:solidFill>
-                <a:srgbClr val="000000"/>
-              </a:solidFill>
+            <a:endParaRPr b="0" lang="lt-LT" sz="3200" spc="-1" strike="noStrike">
               <a:latin typeface="Arial"/>
             </a:endParaRPr>
           </a:p>
@@ -4407,19 +3735,7 @@
             <a:normAutofit/>
           </a:bodyPr>
           <a:p>
-            <a:pPr>
-              <a:lnSpc>
-                <a:spcPct val="90000"/>
-              </a:lnSpc>
-              <a:spcBef>
-                <a:spcPts val="1417"/>
-              </a:spcBef>
-              <a:buNone/>
-            </a:pPr>
-            <a:endParaRPr b="0" lang="en-US" sz="2800" spc="-1" strike="noStrike">
-              <a:solidFill>
-                <a:srgbClr val="000000"/>
-              </a:solidFill>
+            <a:endParaRPr b="0" lang="lt-LT" sz="3200" spc="-1" strike="noStrike">
               <a:latin typeface="Arial"/>
             </a:endParaRPr>
           </a:p>
@@ -4453,19 +3769,7 @@
             <a:normAutofit/>
           </a:bodyPr>
           <a:p>
-            <a:pPr>
-              <a:lnSpc>
-                <a:spcPct val="90000"/>
-              </a:lnSpc>
-              <a:spcBef>
-                <a:spcPts val="1417"/>
-              </a:spcBef>
-              <a:buNone/>
-            </a:pPr>
-            <a:endParaRPr b="0" lang="en-US" sz="2800" spc="-1" strike="noStrike">
-              <a:solidFill>
-                <a:srgbClr val="000000"/>
-              </a:solidFill>
+            <a:endParaRPr b="0" lang="lt-LT" sz="3200" spc="-1" strike="noStrike">
               <a:latin typeface="Arial"/>
             </a:endParaRPr>
           </a:p>
@@ -4499,19 +3803,7 @@
             <a:normAutofit/>
           </a:bodyPr>
           <a:p>
-            <a:pPr>
-              <a:lnSpc>
-                <a:spcPct val="90000"/>
-              </a:lnSpc>
-              <a:spcBef>
-                <a:spcPts val="1417"/>
-              </a:spcBef>
-              <a:buNone/>
-            </a:pPr>
-            <a:endParaRPr b="0" lang="en-US" sz="2800" spc="-1" strike="noStrike">
-              <a:solidFill>
-                <a:srgbClr val="000000"/>
-              </a:solidFill>
+            <a:endParaRPr b="0" lang="lt-LT" sz="3200" spc="-1" strike="noStrike">
               <a:latin typeface="Arial"/>
             </a:endParaRPr>
           </a:p>
@@ -4545,19 +3837,7 @@
             <a:normAutofit/>
           </a:bodyPr>
           <a:p>
-            <a:pPr>
-              <a:lnSpc>
-                <a:spcPct val="90000"/>
-              </a:lnSpc>
-              <a:spcBef>
-                <a:spcPts val="1417"/>
-              </a:spcBef>
-              <a:buNone/>
-            </a:pPr>
-            <a:endParaRPr b="0" lang="en-US" sz="2800" spc="-1" strike="noStrike">
-              <a:solidFill>
-                <a:srgbClr val="000000"/>
-              </a:solidFill>
+            <a:endParaRPr b="0" lang="lt-LT" sz="3200" spc="-1" strike="noStrike">
               <a:latin typeface="Arial"/>
             </a:endParaRPr>
           </a:p>
@@ -4591,19 +3871,7 @@
             <a:normAutofit/>
           </a:bodyPr>
           <a:p>
-            <a:pPr>
-              <a:lnSpc>
-                <a:spcPct val="90000"/>
-              </a:lnSpc>
-              <a:spcBef>
-                <a:spcPts val="1417"/>
-              </a:spcBef>
-              <a:buNone/>
-            </a:pPr>
-            <a:endParaRPr b="0" lang="en-US" sz="2800" spc="-1" strike="noStrike">
-              <a:solidFill>
-                <a:srgbClr val="000000"/>
-              </a:solidFill>
+            <a:endParaRPr b="0" lang="lt-LT" sz="3200" spc="-1" strike="noStrike">
               <a:latin typeface="Arial"/>
             </a:endParaRPr>
           </a:p>
@@ -4681,10 +3949,10 @@
             <a:noAutofit/>
           </a:bodyPr>
           <a:p>
-            <a:endParaRPr b="0" lang="en-US" sz="1800" spc="-1" strike="noStrike">
-              <a:solidFill>
-                <a:srgbClr val="000000"/>
-              </a:solidFill>
+            <a:pPr algn="ctr">
+              <a:buNone/>
+            </a:pPr>
+            <a:endParaRPr b="0" lang="lt-LT" sz="4400" spc="-1" strike="noStrike">
               <a:latin typeface="Arial"/>
             </a:endParaRPr>
           </a:p>
@@ -4777,10 +4045,10 @@
             <a:noAutofit/>
           </a:bodyPr>
           <a:p>
-            <a:endParaRPr b="0" lang="en-US" sz="1800" spc="-1" strike="noStrike">
-              <a:solidFill>
-                <a:srgbClr val="000000"/>
-              </a:solidFill>
+            <a:pPr algn="ctr">
+              <a:buNone/>
+            </a:pPr>
+            <a:endParaRPr b="0" lang="lt-LT" sz="4400" spc="-1" strike="noStrike">
               <a:latin typeface="Arial"/>
             </a:endParaRPr>
           </a:p>
@@ -4814,19 +4082,7 @@
             <a:normAutofit/>
           </a:bodyPr>
           <a:p>
-            <a:pPr>
-              <a:lnSpc>
-                <a:spcPct val="90000"/>
-              </a:lnSpc>
-              <a:spcBef>
-                <a:spcPts val="1417"/>
-              </a:spcBef>
-              <a:buNone/>
-            </a:pPr>
-            <a:endParaRPr b="0" lang="en-US" sz="2800" spc="-1" strike="noStrike">
-              <a:solidFill>
-                <a:srgbClr val="000000"/>
-              </a:solidFill>
+            <a:endParaRPr b="0" lang="lt-LT" sz="3200" spc="-1" strike="noStrike">
               <a:latin typeface="Arial"/>
             </a:endParaRPr>
           </a:p>
@@ -4882,10 +4138,10 @@
             <a:noAutofit/>
           </a:bodyPr>
           <a:p>
-            <a:endParaRPr b="0" lang="en-US" sz="1800" spc="-1" strike="noStrike">
-              <a:solidFill>
-                <a:srgbClr val="000000"/>
-              </a:solidFill>
+            <a:pPr algn="ctr">
+              <a:buNone/>
+            </a:pPr>
+            <a:endParaRPr b="0" lang="lt-LT" sz="4400" spc="-1" strike="noStrike">
               <a:latin typeface="Arial"/>
             </a:endParaRPr>
           </a:p>
@@ -4919,19 +4175,7 @@
             <a:normAutofit/>
           </a:bodyPr>
           <a:p>
-            <a:pPr>
-              <a:lnSpc>
-                <a:spcPct val="90000"/>
-              </a:lnSpc>
-              <a:spcBef>
-                <a:spcPts val="1417"/>
-              </a:spcBef>
-              <a:buNone/>
-            </a:pPr>
-            <a:endParaRPr b="0" lang="en-US" sz="2800" spc="-1" strike="noStrike">
-              <a:solidFill>
-                <a:srgbClr val="000000"/>
-              </a:solidFill>
+            <a:endParaRPr b="0" lang="lt-LT" sz="3200" spc="-1" strike="noStrike">
               <a:latin typeface="Arial"/>
             </a:endParaRPr>
           </a:p>
@@ -4965,19 +4209,7 @@
             <a:normAutofit/>
           </a:bodyPr>
           <a:p>
-            <a:pPr>
-              <a:lnSpc>
-                <a:spcPct val="90000"/>
-              </a:lnSpc>
-              <a:spcBef>
-                <a:spcPts val="1417"/>
-              </a:spcBef>
-              <a:buNone/>
-            </a:pPr>
-            <a:endParaRPr b="0" lang="en-US" sz="2800" spc="-1" strike="noStrike">
-              <a:solidFill>
-                <a:srgbClr val="000000"/>
-              </a:solidFill>
+            <a:endParaRPr b="0" lang="lt-LT" sz="3200" spc="-1" strike="noStrike">
               <a:latin typeface="Arial"/>
             </a:endParaRPr>
           </a:p>
@@ -5033,10 +4265,10 @@
             <a:noAutofit/>
           </a:bodyPr>
           <a:p>
-            <a:endParaRPr b="0" lang="en-US" sz="1800" spc="-1" strike="noStrike">
-              <a:solidFill>
-                <a:srgbClr val="000000"/>
-              </a:solidFill>
+            <a:pPr algn="ctr">
+              <a:buNone/>
+            </a:pPr>
+            <a:endParaRPr b="0" lang="lt-LT" sz="4400" spc="-1" strike="noStrike">
               <a:latin typeface="Arial"/>
             </a:endParaRPr>
           </a:p>
@@ -5070,19 +4302,7 @@
             <a:normAutofit/>
           </a:bodyPr>
           <a:p>
-            <a:pPr>
-              <a:lnSpc>
-                <a:spcPct val="90000"/>
-              </a:lnSpc>
-              <a:spcBef>
-                <a:spcPts val="1417"/>
-              </a:spcBef>
-              <a:buNone/>
-            </a:pPr>
-            <a:endParaRPr b="0" lang="en-US" sz="2800" spc="-1" strike="noStrike">
-              <a:solidFill>
-                <a:srgbClr val="000000"/>
-              </a:solidFill>
+            <a:endParaRPr b="0" lang="lt-LT" sz="3200" spc="-1" strike="noStrike">
               <a:latin typeface="Arial"/>
             </a:endParaRPr>
           </a:p>
@@ -5116,19 +4336,7 @@
             <a:normAutofit/>
           </a:bodyPr>
           <a:p>
-            <a:pPr>
-              <a:lnSpc>
-                <a:spcPct val="90000"/>
-              </a:lnSpc>
-              <a:spcBef>
-                <a:spcPts val="1417"/>
-              </a:spcBef>
-              <a:buNone/>
-            </a:pPr>
-            <a:endParaRPr b="0" lang="en-US" sz="2800" spc="-1" strike="noStrike">
-              <a:solidFill>
-                <a:srgbClr val="000000"/>
-              </a:solidFill>
+            <a:endParaRPr b="0" lang="lt-LT" sz="3200" spc="-1" strike="noStrike">
               <a:latin typeface="Arial"/>
             </a:endParaRPr>
           </a:p>
@@ -5184,10 +4392,10 @@
             <a:noAutofit/>
           </a:bodyPr>
           <a:p>
-            <a:endParaRPr b="0" lang="en-US" sz="1800" spc="-1" strike="noStrike">
-              <a:solidFill>
-                <a:srgbClr val="000000"/>
-              </a:solidFill>
+            <a:pPr algn="ctr">
+              <a:buNone/>
+            </a:pPr>
+            <a:endParaRPr b="0" lang="lt-LT" sz="4400" spc="-1" strike="noStrike">
               <a:latin typeface="Arial"/>
             </a:endParaRPr>
           </a:p>
@@ -5302,10 +4510,10 @@
             <a:noAutofit/>
           </a:bodyPr>
           <a:p>
-            <a:endParaRPr b="0" lang="en-US" sz="1800" spc="-1" strike="noStrike">
-              <a:solidFill>
-                <a:srgbClr val="000000"/>
-              </a:solidFill>
+            <a:pPr algn="ctr">
+              <a:buNone/>
+            </a:pPr>
+            <a:endParaRPr b="0" lang="lt-LT" sz="4400" spc="-1" strike="noStrike">
               <a:latin typeface="Arial"/>
             </a:endParaRPr>
           </a:p>
@@ -5339,19 +4547,7 @@
             <a:normAutofit/>
           </a:bodyPr>
           <a:p>
-            <a:pPr>
-              <a:lnSpc>
-                <a:spcPct val="90000"/>
-              </a:lnSpc>
-              <a:spcBef>
-                <a:spcPts val="1417"/>
-              </a:spcBef>
-              <a:buNone/>
-            </a:pPr>
-            <a:endParaRPr b="0" lang="en-US" sz="2800" spc="-1" strike="noStrike">
-              <a:solidFill>
-                <a:srgbClr val="000000"/>
-              </a:solidFill>
+            <a:endParaRPr b="0" lang="lt-LT" sz="3200" spc="-1" strike="noStrike">
               <a:latin typeface="Arial"/>
             </a:endParaRPr>
           </a:p>
@@ -5385,19 +4581,7 @@
             <a:normAutofit/>
           </a:bodyPr>
           <a:p>
-            <a:pPr>
-              <a:lnSpc>
-                <a:spcPct val="90000"/>
-              </a:lnSpc>
-              <a:spcBef>
-                <a:spcPts val="1417"/>
-              </a:spcBef>
-              <a:buNone/>
-            </a:pPr>
-            <a:endParaRPr b="0" lang="en-US" sz="2800" spc="-1" strike="noStrike">
-              <a:solidFill>
-                <a:srgbClr val="000000"/>
-              </a:solidFill>
+            <a:endParaRPr b="0" lang="lt-LT" sz="3200" spc="-1" strike="noStrike">
               <a:latin typeface="Arial"/>
             </a:endParaRPr>
           </a:p>
@@ -5431,19 +4615,7 @@
             <a:normAutofit/>
           </a:bodyPr>
           <a:p>
-            <a:pPr>
-              <a:lnSpc>
-                <a:spcPct val="90000"/>
-              </a:lnSpc>
-              <a:spcBef>
-                <a:spcPts val="1417"/>
-              </a:spcBef>
-              <a:buNone/>
-            </a:pPr>
-            <a:endParaRPr b="0" lang="en-US" sz="2800" spc="-1" strike="noStrike">
-              <a:solidFill>
-                <a:srgbClr val="000000"/>
-              </a:solidFill>
+            <a:endParaRPr b="0" lang="lt-LT" sz="3200" spc="-1" strike="noStrike">
               <a:latin typeface="Arial"/>
             </a:endParaRPr>
           </a:p>
@@ -5499,10 +4671,10 @@
             <a:noAutofit/>
           </a:bodyPr>
           <a:p>
-            <a:endParaRPr b="0" lang="en-US" sz="1800" spc="-1" strike="noStrike">
-              <a:solidFill>
-                <a:srgbClr val="000000"/>
-              </a:solidFill>
+            <a:pPr algn="ctr">
+              <a:buNone/>
+            </a:pPr>
+            <a:endParaRPr b="0" lang="lt-LT" sz="4400" spc="-1" strike="noStrike">
               <a:latin typeface="Arial"/>
             </a:endParaRPr>
           </a:p>
@@ -5536,19 +4708,7 @@
             <a:normAutofit/>
           </a:bodyPr>
           <a:p>
-            <a:pPr>
-              <a:lnSpc>
-                <a:spcPct val="90000"/>
-              </a:lnSpc>
-              <a:spcBef>
-                <a:spcPts val="1417"/>
-              </a:spcBef>
-              <a:buNone/>
-            </a:pPr>
-            <a:endParaRPr b="0" lang="en-US" sz="2800" spc="-1" strike="noStrike">
-              <a:solidFill>
-                <a:srgbClr val="000000"/>
-              </a:solidFill>
+            <a:endParaRPr b="0" lang="lt-LT" sz="3200" spc="-1" strike="noStrike">
               <a:latin typeface="Arial"/>
             </a:endParaRPr>
           </a:p>
@@ -5582,19 +4742,7 @@
             <a:normAutofit/>
           </a:bodyPr>
           <a:p>
-            <a:pPr>
-              <a:lnSpc>
-                <a:spcPct val="90000"/>
-              </a:lnSpc>
-              <a:spcBef>
-                <a:spcPts val="1417"/>
-              </a:spcBef>
-              <a:buNone/>
-            </a:pPr>
-            <a:endParaRPr b="0" lang="en-US" sz="2800" spc="-1" strike="noStrike">
-              <a:solidFill>
-                <a:srgbClr val="000000"/>
-              </a:solidFill>
+            <a:endParaRPr b="0" lang="lt-LT" sz="3200" spc="-1" strike="noStrike">
               <a:latin typeface="Arial"/>
             </a:endParaRPr>
           </a:p>
@@ -5628,19 +4776,7 @@
             <a:normAutofit/>
           </a:bodyPr>
           <a:p>
-            <a:pPr>
-              <a:lnSpc>
-                <a:spcPct val="90000"/>
-              </a:lnSpc>
-              <a:spcBef>
-                <a:spcPts val="1417"/>
-              </a:spcBef>
-              <a:buNone/>
-            </a:pPr>
-            <a:endParaRPr b="0" lang="en-US" sz="2800" spc="-1" strike="noStrike">
-              <a:solidFill>
-                <a:srgbClr val="000000"/>
-              </a:solidFill>
+            <a:endParaRPr b="0" lang="lt-LT" sz="3200" spc="-1" strike="noStrike">
               <a:latin typeface="Arial"/>
             </a:endParaRPr>
           </a:p>
@@ -5696,10 +4832,10 @@
             <a:noAutofit/>
           </a:bodyPr>
           <a:p>
-            <a:endParaRPr b="0" lang="en-US" sz="1800" spc="-1" strike="noStrike">
-              <a:solidFill>
-                <a:srgbClr val="000000"/>
-              </a:solidFill>
+            <a:pPr algn="ctr">
+              <a:buNone/>
+            </a:pPr>
+            <a:endParaRPr b="0" lang="lt-LT" sz="4400" spc="-1" strike="noStrike">
               <a:latin typeface="Arial"/>
             </a:endParaRPr>
           </a:p>
@@ -5733,19 +4869,7 @@
             <a:normAutofit/>
           </a:bodyPr>
           <a:p>
-            <a:pPr>
-              <a:lnSpc>
-                <a:spcPct val="90000"/>
-              </a:lnSpc>
-              <a:spcBef>
-                <a:spcPts val="1417"/>
-              </a:spcBef>
-              <a:buNone/>
-            </a:pPr>
-            <a:endParaRPr b="0" lang="en-US" sz="2800" spc="-1" strike="noStrike">
-              <a:solidFill>
-                <a:srgbClr val="000000"/>
-              </a:solidFill>
+            <a:endParaRPr b="0" lang="lt-LT" sz="3200" spc="-1" strike="noStrike">
               <a:latin typeface="Arial"/>
             </a:endParaRPr>
           </a:p>
@@ -5779,19 +4903,7 @@
             <a:normAutofit/>
           </a:bodyPr>
           <a:p>
-            <a:pPr>
-              <a:lnSpc>
-                <a:spcPct val="90000"/>
-              </a:lnSpc>
-              <a:spcBef>
-                <a:spcPts val="1417"/>
-              </a:spcBef>
-              <a:buNone/>
-            </a:pPr>
-            <a:endParaRPr b="0" lang="en-US" sz="2800" spc="-1" strike="noStrike">
-              <a:solidFill>
-                <a:srgbClr val="000000"/>
-              </a:solidFill>
+            <a:endParaRPr b="0" lang="lt-LT" sz="3200" spc="-1" strike="noStrike">
               <a:latin typeface="Arial"/>
             </a:endParaRPr>
           </a:p>
@@ -5825,19 +4937,7 @@
             <a:normAutofit/>
           </a:bodyPr>
           <a:p>
-            <a:pPr>
-              <a:lnSpc>
-                <a:spcPct val="90000"/>
-              </a:lnSpc>
-              <a:spcBef>
-                <a:spcPts val="1417"/>
-              </a:spcBef>
-              <a:buNone/>
-            </a:pPr>
-            <a:endParaRPr b="0" lang="en-US" sz="2800" spc="-1" strike="noStrike">
-              <a:solidFill>
-                <a:srgbClr val="000000"/>
-              </a:solidFill>
+            <a:endParaRPr b="0" lang="lt-LT" sz="3200" spc="-1" strike="noStrike">
               <a:latin typeface="Arial"/>
             </a:endParaRPr>
           </a:p>
@@ -5893,10 +4993,10 @@
             <a:noAutofit/>
           </a:bodyPr>
           <a:p>
-            <a:endParaRPr b="0" lang="en-US" sz="1800" spc="-1" strike="noStrike">
-              <a:solidFill>
-                <a:srgbClr val="000000"/>
-              </a:solidFill>
+            <a:pPr algn="ctr">
+              <a:buNone/>
+            </a:pPr>
+            <a:endParaRPr b="0" lang="lt-LT" sz="4400" spc="-1" strike="noStrike">
               <a:latin typeface="Arial"/>
             </a:endParaRPr>
           </a:p>
@@ -5930,19 +5030,7 @@
             <a:normAutofit/>
           </a:bodyPr>
           <a:p>
-            <a:pPr>
-              <a:lnSpc>
-                <a:spcPct val="90000"/>
-              </a:lnSpc>
-              <a:spcBef>
-                <a:spcPts val="1417"/>
-              </a:spcBef>
-              <a:buNone/>
-            </a:pPr>
-            <a:endParaRPr b="0" lang="en-US" sz="2800" spc="-1" strike="noStrike">
-              <a:solidFill>
-                <a:srgbClr val="000000"/>
-              </a:solidFill>
+            <a:endParaRPr b="0" lang="lt-LT" sz="3200" spc="-1" strike="noStrike">
               <a:latin typeface="Arial"/>
             </a:endParaRPr>
           </a:p>
@@ -5976,19 +5064,7 @@
             <a:normAutofit/>
           </a:bodyPr>
           <a:p>
-            <a:pPr>
-              <a:lnSpc>
-                <a:spcPct val="90000"/>
-              </a:lnSpc>
-              <a:spcBef>
-                <a:spcPts val="1417"/>
-              </a:spcBef>
-              <a:buNone/>
-            </a:pPr>
-            <a:endParaRPr b="0" lang="en-US" sz="2800" spc="-1" strike="noStrike">
-              <a:solidFill>
-                <a:srgbClr val="000000"/>
-              </a:solidFill>
+            <a:endParaRPr b="0" lang="lt-LT" sz="3200" spc="-1" strike="noStrike">
               <a:latin typeface="Arial"/>
             </a:endParaRPr>
           </a:p>
@@ -6044,10 +5120,10 @@
             <a:noAutofit/>
           </a:bodyPr>
           <a:p>
-            <a:endParaRPr b="0" lang="en-US" sz="1800" spc="-1" strike="noStrike">
-              <a:solidFill>
-                <a:srgbClr val="000000"/>
-              </a:solidFill>
+            <a:pPr algn="ctr">
+              <a:buNone/>
+            </a:pPr>
+            <a:endParaRPr b="0" lang="lt-LT" sz="4400" spc="-1" strike="noStrike">
               <a:latin typeface="Arial"/>
             </a:endParaRPr>
           </a:p>
@@ -6081,19 +5157,7 @@
             <a:normAutofit/>
           </a:bodyPr>
           <a:p>
-            <a:pPr>
-              <a:lnSpc>
-                <a:spcPct val="90000"/>
-              </a:lnSpc>
-              <a:spcBef>
-                <a:spcPts val="1417"/>
-              </a:spcBef>
-              <a:buNone/>
-            </a:pPr>
-            <a:endParaRPr b="0" lang="en-US" sz="2800" spc="-1" strike="noStrike">
-              <a:solidFill>
-                <a:srgbClr val="000000"/>
-              </a:solidFill>
+            <a:endParaRPr b="0" lang="lt-LT" sz="3200" spc="-1" strike="noStrike">
               <a:latin typeface="Arial"/>
             </a:endParaRPr>
           </a:p>
@@ -6127,19 +5191,7 @@
             <a:normAutofit/>
           </a:bodyPr>
           <a:p>
-            <a:pPr>
-              <a:lnSpc>
-                <a:spcPct val="90000"/>
-              </a:lnSpc>
-              <a:spcBef>
-                <a:spcPts val="1417"/>
-              </a:spcBef>
-              <a:buNone/>
-            </a:pPr>
-            <a:endParaRPr b="0" lang="en-US" sz="2800" spc="-1" strike="noStrike">
-              <a:solidFill>
-                <a:srgbClr val="000000"/>
-              </a:solidFill>
+            <a:endParaRPr b="0" lang="lt-LT" sz="3200" spc="-1" strike="noStrike">
               <a:latin typeface="Arial"/>
             </a:endParaRPr>
           </a:p>
@@ -6173,19 +5225,7 @@
             <a:normAutofit/>
           </a:bodyPr>
           <a:p>
-            <a:pPr>
-              <a:lnSpc>
-                <a:spcPct val="90000"/>
-              </a:lnSpc>
-              <a:spcBef>
-                <a:spcPts val="1417"/>
-              </a:spcBef>
-              <a:buNone/>
-            </a:pPr>
-            <a:endParaRPr b="0" lang="en-US" sz="2800" spc="-1" strike="noStrike">
-              <a:solidFill>
-                <a:srgbClr val="000000"/>
-              </a:solidFill>
+            <a:endParaRPr b="0" lang="lt-LT" sz="3200" spc="-1" strike="noStrike">
               <a:latin typeface="Arial"/>
             </a:endParaRPr>
           </a:p>
@@ -6219,19 +5259,7 @@
             <a:normAutofit/>
           </a:bodyPr>
           <a:p>
-            <a:pPr>
-              <a:lnSpc>
-                <a:spcPct val="90000"/>
-              </a:lnSpc>
-              <a:spcBef>
-                <a:spcPts val="1417"/>
-              </a:spcBef>
-              <a:buNone/>
-            </a:pPr>
-            <a:endParaRPr b="0" lang="en-US" sz="2800" spc="-1" strike="noStrike">
-              <a:solidFill>
-                <a:srgbClr val="000000"/>
-              </a:solidFill>
+            <a:endParaRPr b="0" lang="lt-LT" sz="3200" spc="-1" strike="noStrike">
               <a:latin typeface="Arial"/>
             </a:endParaRPr>
           </a:p>
@@ -6287,10 +5315,10 @@
             <a:noAutofit/>
           </a:bodyPr>
           <a:p>
-            <a:endParaRPr b="0" lang="en-US" sz="1800" spc="-1" strike="noStrike">
-              <a:solidFill>
-                <a:srgbClr val="000000"/>
-              </a:solidFill>
+            <a:pPr algn="ctr">
+              <a:buNone/>
+            </a:pPr>
+            <a:endParaRPr b="0" lang="lt-LT" sz="4400" spc="-1" strike="noStrike">
               <a:latin typeface="Arial"/>
             </a:endParaRPr>
           </a:p>
@@ -6324,19 +5352,7 @@
             <a:normAutofit/>
           </a:bodyPr>
           <a:p>
-            <a:pPr>
-              <a:lnSpc>
-                <a:spcPct val="90000"/>
-              </a:lnSpc>
-              <a:spcBef>
-                <a:spcPts val="1417"/>
-              </a:spcBef>
-              <a:buNone/>
-            </a:pPr>
-            <a:endParaRPr b="0" lang="en-US" sz="2800" spc="-1" strike="noStrike">
-              <a:solidFill>
-                <a:srgbClr val="000000"/>
-              </a:solidFill>
+            <a:endParaRPr b="0" lang="lt-LT" sz="3200" spc="-1" strike="noStrike">
               <a:latin typeface="Arial"/>
             </a:endParaRPr>
           </a:p>
@@ -6370,19 +5386,7 @@
             <a:normAutofit/>
           </a:bodyPr>
           <a:p>
-            <a:pPr>
-              <a:lnSpc>
-                <a:spcPct val="90000"/>
-              </a:lnSpc>
-              <a:spcBef>
-                <a:spcPts val="1417"/>
-              </a:spcBef>
-              <a:buNone/>
-            </a:pPr>
-            <a:endParaRPr b="0" lang="en-US" sz="2800" spc="-1" strike="noStrike">
-              <a:solidFill>
-                <a:srgbClr val="000000"/>
-              </a:solidFill>
+            <a:endParaRPr b="0" lang="lt-LT" sz="3200" spc="-1" strike="noStrike">
               <a:latin typeface="Arial"/>
             </a:endParaRPr>
           </a:p>
@@ -6416,19 +5420,7 @@
             <a:normAutofit/>
           </a:bodyPr>
           <a:p>
-            <a:pPr>
-              <a:lnSpc>
-                <a:spcPct val="90000"/>
-              </a:lnSpc>
-              <a:spcBef>
-                <a:spcPts val="1417"/>
-              </a:spcBef>
-              <a:buNone/>
-            </a:pPr>
-            <a:endParaRPr b="0" lang="en-US" sz="2800" spc="-1" strike="noStrike">
-              <a:solidFill>
-                <a:srgbClr val="000000"/>
-              </a:solidFill>
+            <a:endParaRPr b="0" lang="lt-LT" sz="3200" spc="-1" strike="noStrike">
               <a:latin typeface="Arial"/>
             </a:endParaRPr>
           </a:p>
@@ -6462,19 +5454,7 @@
             <a:normAutofit/>
           </a:bodyPr>
           <a:p>
-            <a:pPr>
-              <a:lnSpc>
-                <a:spcPct val="90000"/>
-              </a:lnSpc>
-              <a:spcBef>
-                <a:spcPts val="1417"/>
-              </a:spcBef>
-              <a:buNone/>
-            </a:pPr>
-            <a:endParaRPr b="0" lang="en-US" sz="2800" spc="-1" strike="noStrike">
-              <a:solidFill>
-                <a:srgbClr val="000000"/>
-              </a:solidFill>
+            <a:endParaRPr b="0" lang="lt-LT" sz="3200" spc="-1" strike="noStrike">
               <a:latin typeface="Arial"/>
             </a:endParaRPr>
           </a:p>
@@ -6508,19 +5488,7 @@
             <a:normAutofit/>
           </a:bodyPr>
           <a:p>
-            <a:pPr>
-              <a:lnSpc>
-                <a:spcPct val="90000"/>
-              </a:lnSpc>
-              <a:spcBef>
-                <a:spcPts val="1417"/>
-              </a:spcBef>
-              <a:buNone/>
-            </a:pPr>
-            <a:endParaRPr b="0" lang="en-US" sz="2800" spc="-1" strike="noStrike">
-              <a:solidFill>
-                <a:srgbClr val="000000"/>
-              </a:solidFill>
+            <a:endParaRPr b="0" lang="lt-LT" sz="3200" spc="-1" strike="noStrike">
               <a:latin typeface="Arial"/>
             </a:endParaRPr>
           </a:p>
@@ -6554,19 +5522,7 @@
             <a:normAutofit/>
           </a:bodyPr>
           <a:p>
-            <a:pPr>
-              <a:lnSpc>
-                <a:spcPct val="90000"/>
-              </a:lnSpc>
-              <a:spcBef>
-                <a:spcPts val="1417"/>
-              </a:spcBef>
-              <a:buNone/>
-            </a:pPr>
-            <a:endParaRPr b="0" lang="en-US" sz="2800" spc="-1" strike="noStrike">
-              <a:solidFill>
-                <a:srgbClr val="000000"/>
-              </a:solidFill>
+            <a:endParaRPr b="0" lang="lt-LT" sz="3200" spc="-1" strike="noStrike">
               <a:latin typeface="Arial"/>
             </a:endParaRPr>
           </a:p>
@@ -6622,10 +5578,10 @@
             <a:noAutofit/>
           </a:bodyPr>
           <a:p>
-            <a:endParaRPr b="0" lang="en-US" sz="1800" spc="-1" strike="noStrike">
-              <a:solidFill>
-                <a:srgbClr val="000000"/>
-              </a:solidFill>
+            <a:pPr algn="ctr">
+              <a:buNone/>
+            </a:pPr>
+            <a:endParaRPr b="0" lang="lt-LT" sz="4400" spc="-1" strike="noStrike">
               <a:latin typeface="Arial"/>
             </a:endParaRPr>
           </a:p>
@@ -6740,10 +5696,10 @@
             <a:noAutofit/>
           </a:bodyPr>
           <a:p>
-            <a:endParaRPr b="0" lang="en-US" sz="1800" spc="-1" strike="noStrike">
-              <a:solidFill>
-                <a:srgbClr val="000000"/>
-              </a:solidFill>
+            <a:pPr algn="ctr">
+              <a:buNone/>
+            </a:pPr>
+            <a:endParaRPr b="0" lang="lt-LT" sz="4400" spc="-1" strike="noStrike">
               <a:latin typeface="Arial"/>
             </a:endParaRPr>
           </a:p>
@@ -6777,19 +5733,7 @@
             <a:normAutofit/>
           </a:bodyPr>
           <a:p>
-            <a:pPr>
-              <a:lnSpc>
-                <a:spcPct val="90000"/>
-              </a:lnSpc>
-              <a:spcBef>
-                <a:spcPts val="1417"/>
-              </a:spcBef>
-              <a:buNone/>
-            </a:pPr>
-            <a:endParaRPr b="0" lang="en-US" sz="2800" spc="-1" strike="noStrike">
-              <a:solidFill>
-                <a:srgbClr val="000000"/>
-              </a:solidFill>
+            <a:endParaRPr b="0" lang="lt-LT" sz="3200" spc="-1" strike="noStrike">
               <a:latin typeface="Arial"/>
             </a:endParaRPr>
           </a:p>
@@ -6823,19 +5767,7 @@
             <a:normAutofit/>
           </a:bodyPr>
           <a:p>
-            <a:pPr>
-              <a:lnSpc>
-                <a:spcPct val="90000"/>
-              </a:lnSpc>
-              <a:spcBef>
-                <a:spcPts val="1417"/>
-              </a:spcBef>
-              <a:buNone/>
-            </a:pPr>
-            <a:endParaRPr b="0" lang="en-US" sz="2800" spc="-1" strike="noStrike">
-              <a:solidFill>
-                <a:srgbClr val="000000"/>
-              </a:solidFill>
+            <a:endParaRPr b="0" lang="lt-LT" sz="3200" spc="-1" strike="noStrike">
               <a:latin typeface="Arial"/>
             </a:endParaRPr>
           </a:p>
@@ -6869,19 +5801,7 @@
             <a:normAutofit/>
           </a:bodyPr>
           <a:p>
-            <a:pPr>
-              <a:lnSpc>
-                <a:spcPct val="90000"/>
-              </a:lnSpc>
-              <a:spcBef>
-                <a:spcPts val="1417"/>
-              </a:spcBef>
-              <a:buNone/>
-            </a:pPr>
-            <a:endParaRPr b="0" lang="en-US" sz="2800" spc="-1" strike="noStrike">
-              <a:solidFill>
-                <a:srgbClr val="000000"/>
-              </a:solidFill>
+            <a:endParaRPr b="0" lang="lt-LT" sz="3200" spc="-1" strike="noStrike">
               <a:latin typeface="Arial"/>
             </a:endParaRPr>
           </a:p>
@@ -6937,10 +5857,10 @@
             <a:noAutofit/>
           </a:bodyPr>
           <a:p>
-            <a:endParaRPr b="0" lang="en-US" sz="1800" spc="-1" strike="noStrike">
-              <a:solidFill>
-                <a:srgbClr val="000000"/>
-              </a:solidFill>
+            <a:pPr algn="ctr">
+              <a:buNone/>
+            </a:pPr>
+            <a:endParaRPr b="0" lang="lt-LT" sz="4400" spc="-1" strike="noStrike">
               <a:latin typeface="Arial"/>
             </a:endParaRPr>
           </a:p>
@@ -6974,19 +5894,7 @@
             <a:normAutofit/>
           </a:bodyPr>
           <a:p>
-            <a:pPr>
-              <a:lnSpc>
-                <a:spcPct val="90000"/>
-              </a:lnSpc>
-              <a:spcBef>
-                <a:spcPts val="1417"/>
-              </a:spcBef>
-              <a:buNone/>
-            </a:pPr>
-            <a:endParaRPr b="0" lang="en-US" sz="2800" spc="-1" strike="noStrike">
-              <a:solidFill>
-                <a:srgbClr val="000000"/>
-              </a:solidFill>
+            <a:endParaRPr b="0" lang="lt-LT" sz="3200" spc="-1" strike="noStrike">
               <a:latin typeface="Arial"/>
             </a:endParaRPr>
           </a:p>
@@ -7020,19 +5928,7 @@
             <a:normAutofit/>
           </a:bodyPr>
           <a:p>
-            <a:pPr>
-              <a:lnSpc>
-                <a:spcPct val="90000"/>
-              </a:lnSpc>
-              <a:spcBef>
-                <a:spcPts val="1417"/>
-              </a:spcBef>
-              <a:buNone/>
-            </a:pPr>
-            <a:endParaRPr b="0" lang="en-US" sz="2800" spc="-1" strike="noStrike">
-              <a:solidFill>
-                <a:srgbClr val="000000"/>
-              </a:solidFill>
+            <a:endParaRPr b="0" lang="lt-LT" sz="3200" spc="-1" strike="noStrike">
               <a:latin typeface="Arial"/>
             </a:endParaRPr>
           </a:p>
@@ -7066,19 +5962,7 @@
             <a:normAutofit/>
           </a:bodyPr>
           <a:p>
-            <a:pPr>
-              <a:lnSpc>
-                <a:spcPct val="90000"/>
-              </a:lnSpc>
-              <a:spcBef>
-                <a:spcPts val="1417"/>
-              </a:spcBef>
-              <a:buNone/>
-            </a:pPr>
-            <a:endParaRPr b="0" lang="en-US" sz="2800" spc="-1" strike="noStrike">
-              <a:solidFill>
-                <a:srgbClr val="000000"/>
-              </a:solidFill>
+            <a:endParaRPr b="0" lang="lt-LT" sz="3200" spc="-1" strike="noStrike">
               <a:latin typeface="Arial"/>
             </a:endParaRPr>
           </a:p>
@@ -7134,10 +6018,10 @@
             <a:noAutofit/>
           </a:bodyPr>
           <a:p>
-            <a:endParaRPr b="0" lang="en-US" sz="1800" spc="-1" strike="noStrike">
-              <a:solidFill>
-                <a:srgbClr val="000000"/>
-              </a:solidFill>
+            <a:pPr algn="ctr">
+              <a:buNone/>
+            </a:pPr>
+            <a:endParaRPr b="0" lang="lt-LT" sz="4400" spc="-1" strike="noStrike">
               <a:latin typeface="Arial"/>
             </a:endParaRPr>
           </a:p>
@@ -7171,19 +6055,7 @@
             <a:normAutofit/>
           </a:bodyPr>
           <a:p>
-            <a:pPr>
-              <a:lnSpc>
-                <a:spcPct val="90000"/>
-              </a:lnSpc>
-              <a:spcBef>
-                <a:spcPts val="1417"/>
-              </a:spcBef>
-              <a:buNone/>
-            </a:pPr>
-            <a:endParaRPr b="0" lang="en-US" sz="2800" spc="-1" strike="noStrike">
-              <a:solidFill>
-                <a:srgbClr val="000000"/>
-              </a:solidFill>
+            <a:endParaRPr b="0" lang="lt-LT" sz="3200" spc="-1" strike="noStrike">
               <a:latin typeface="Arial"/>
             </a:endParaRPr>
           </a:p>
@@ -7217,19 +6089,7 @@
             <a:normAutofit/>
           </a:bodyPr>
           <a:p>
-            <a:pPr>
-              <a:lnSpc>
-                <a:spcPct val="90000"/>
-              </a:lnSpc>
-              <a:spcBef>
-                <a:spcPts val="1417"/>
-              </a:spcBef>
-              <a:buNone/>
-            </a:pPr>
-            <a:endParaRPr b="0" lang="en-US" sz="2800" spc="-1" strike="noStrike">
-              <a:solidFill>
-                <a:srgbClr val="000000"/>
-              </a:solidFill>
+            <a:endParaRPr b="0" lang="lt-LT" sz="3200" spc="-1" strike="noStrike">
               <a:latin typeface="Arial"/>
             </a:endParaRPr>
           </a:p>
@@ -7263,19 +6123,7 @@
             <a:normAutofit/>
           </a:bodyPr>
           <a:p>
-            <a:pPr>
-              <a:lnSpc>
-                <a:spcPct val="90000"/>
-              </a:lnSpc>
-              <a:spcBef>
-                <a:spcPts val="1417"/>
-              </a:spcBef>
-              <a:buNone/>
-            </a:pPr>
-            <a:endParaRPr b="0" lang="en-US" sz="2800" spc="-1" strike="noStrike">
-              <a:solidFill>
-                <a:srgbClr val="000000"/>
-              </a:solidFill>
+            <a:endParaRPr b="0" lang="lt-LT" sz="3200" spc="-1" strike="noStrike">
               <a:latin typeface="Arial"/>
             </a:endParaRPr>
           </a:p>
@@ -7319,9 +6167,9 @@
         <p:grpSpPr>
           <a:xfrm>
             <a:off x="11078640" y="458640"/>
-            <a:ext cx="631080" cy="678960"/>
+            <a:ext cx="630720" cy="678600"/>
             <a:chOff x="11078640" y="458640"/>
-            <a:chExt cx="631080" cy="678960"/>
+            <a:chExt cx="630720" cy="678600"/>
           </a:xfrm>
         </p:grpSpPr>
         <p:sp>
@@ -7333,7 +6181,7 @@
           <p:spPr>
             <a:xfrm>
               <a:off x="11078640" y="458640"/>
-              <a:ext cx="631080" cy="678960"/>
+              <a:ext cx="630720" cy="678600"/>
             </a:xfrm>
             <a:custGeom>
               <a:avLst/>
@@ -7454,7 +6302,7 @@
           <p:spPr>
             <a:xfrm>
               <a:off x="11477160" y="873000"/>
-              <a:ext cx="52560" cy="52200"/>
+              <a:ext cx="52200" cy="51840"/>
             </a:xfrm>
             <a:custGeom>
               <a:avLst/>
@@ -7510,7 +6358,7 @@
           <p:spPr>
             <a:xfrm>
               <a:off x="11259360" y="873000"/>
-              <a:ext cx="52560" cy="52200"/>
+              <a:ext cx="52200" cy="51840"/>
             </a:xfrm>
             <a:custGeom>
               <a:avLst/>
@@ -7566,7 +6414,7 @@
           <p:spPr>
             <a:xfrm>
               <a:off x="11175120" y="546480"/>
-              <a:ext cx="438480" cy="433440"/>
+              <a:ext cx="438120" cy="433080"/>
             </a:xfrm>
             <a:custGeom>
               <a:avLst/>
@@ -7906,7 +6754,7 @@
         <p:spPr>
           <a:xfrm>
             <a:off x="475200" y="458640"/>
-            <a:ext cx="2332440" cy="681120"/>
+            <a:ext cx="2332080" cy="680760"/>
           </a:xfrm>
           <a:prstGeom prst="rect">
             <a:avLst/>
@@ -7944,19 +6792,16 @@
             <a:noAutofit/>
           </a:bodyPr>
           <a:p>
+            <a:pPr algn="ctr">
+              <a:buNone/>
+            </a:pPr>
             <a:r>
-              <a:rPr b="0" lang="en-US" sz="1800" spc="-1" strike="noStrike">
-                <a:solidFill>
-                  <a:srgbClr val="000000"/>
-                </a:solidFill>
+              <a:rPr b="0" lang="lt-LT" sz="4400" spc="-1" strike="noStrike">
                 <a:latin typeface="Arial"/>
               </a:rPr>
               <a:t>Click to edit the title text format</a:t>
             </a:r>
-            <a:endParaRPr b="0" lang="en-US" sz="1800" spc="-1" strike="noStrike">
-              <a:solidFill>
-                <a:srgbClr val="000000"/>
-              </a:solidFill>
+            <a:endParaRPr b="0" lang="lt-LT" sz="4400" spc="-1" strike="noStrike">
               <a:latin typeface="Arial"/>
             </a:endParaRPr>
           </a:p>
@@ -7991,9 +6836,6 @@
           </a:bodyPr>
           <a:p>
             <a:pPr marL="432000" indent="-324000">
-              <a:lnSpc>
-                <a:spcPct val="90000"/>
-              </a:lnSpc>
               <a:spcBef>
                 <a:spcPts val="1417"/>
               </a:spcBef>
@@ -8005,26 +6847,17 @@
               <a:buChar char=""/>
             </a:pPr>
             <a:r>
-              <a:rPr b="0" lang="en-US" sz="2800" spc="-1" strike="noStrike">
-                <a:solidFill>
-                  <a:srgbClr val="000000"/>
-                </a:solidFill>
+              <a:rPr b="0" lang="lt-LT" sz="3200" spc="-1" strike="noStrike">
                 <a:latin typeface="Arial"/>
               </a:rPr>
               <a:t>Click to edit the outline text format</a:t>
             </a:r>
-            <a:endParaRPr b="0" lang="en-US" sz="2800" spc="-1" strike="noStrike">
-              <a:solidFill>
-                <a:srgbClr val="000000"/>
-              </a:solidFill>
+            <a:endParaRPr b="0" lang="lt-LT" sz="3200" spc="-1" strike="noStrike">
               <a:latin typeface="Arial"/>
             </a:endParaRPr>
           </a:p>
           <a:p>
             <a:pPr lvl="1" marL="864000" indent="-324000">
-              <a:lnSpc>
-                <a:spcPct val="90000"/>
-              </a:lnSpc>
               <a:spcBef>
                 <a:spcPts val="1134"/>
               </a:spcBef>
@@ -8036,26 +6869,17 @@
               <a:buChar char=""/>
             </a:pPr>
             <a:r>
-              <a:rPr b="0" lang="en-US" sz="2000" spc="-1" strike="noStrike">
-                <a:solidFill>
-                  <a:srgbClr val="000000"/>
-                </a:solidFill>
+              <a:rPr b="0" lang="lt-LT" sz="2800" spc="-1" strike="noStrike">
                 <a:latin typeface="Arial"/>
               </a:rPr>
               <a:t>Second Outline Level</a:t>
             </a:r>
-            <a:endParaRPr b="0" lang="en-US" sz="2000" spc="-1" strike="noStrike">
-              <a:solidFill>
-                <a:srgbClr val="000000"/>
-              </a:solidFill>
+            <a:endParaRPr b="0" lang="lt-LT" sz="2800" spc="-1" strike="noStrike">
               <a:latin typeface="Arial"/>
             </a:endParaRPr>
           </a:p>
           <a:p>
             <a:pPr lvl="2" marL="1296000" indent="-288000">
-              <a:lnSpc>
-                <a:spcPct val="90000"/>
-              </a:lnSpc>
               <a:spcBef>
                 <a:spcPts val="850"/>
               </a:spcBef>
@@ -8067,26 +6891,17 @@
               <a:buChar char=""/>
             </a:pPr>
             <a:r>
-              <a:rPr b="0" lang="en-US" sz="1800" spc="-1" strike="noStrike">
-                <a:solidFill>
-                  <a:srgbClr val="000000"/>
-                </a:solidFill>
+              <a:rPr b="0" lang="lt-LT" sz="2400" spc="-1" strike="noStrike">
                 <a:latin typeface="Arial"/>
               </a:rPr>
               <a:t>Third Outline Level</a:t>
             </a:r>
-            <a:endParaRPr b="0" lang="en-US" sz="1800" spc="-1" strike="noStrike">
-              <a:solidFill>
-                <a:srgbClr val="000000"/>
-              </a:solidFill>
+            <a:endParaRPr b="0" lang="lt-LT" sz="2400" spc="-1" strike="noStrike">
               <a:latin typeface="Arial"/>
             </a:endParaRPr>
           </a:p>
           <a:p>
             <a:pPr lvl="3" marL="1728000" indent="-216000">
-              <a:lnSpc>
-                <a:spcPct val="90000"/>
-              </a:lnSpc>
               <a:spcBef>
                 <a:spcPts val="567"/>
               </a:spcBef>
@@ -8098,26 +6913,17 @@
               <a:buChar char=""/>
             </a:pPr>
             <a:r>
-              <a:rPr b="0" lang="en-US" sz="1800" spc="-1" strike="noStrike">
-                <a:solidFill>
-                  <a:srgbClr val="000000"/>
-                </a:solidFill>
+              <a:rPr b="0" lang="lt-LT" sz="2000" spc="-1" strike="noStrike">
                 <a:latin typeface="Arial"/>
               </a:rPr>
               <a:t>Fourth Outline Level</a:t>
             </a:r>
-            <a:endParaRPr b="0" lang="en-US" sz="1800" spc="-1" strike="noStrike">
-              <a:solidFill>
-                <a:srgbClr val="000000"/>
-              </a:solidFill>
+            <a:endParaRPr b="0" lang="lt-LT" sz="2000" spc="-1" strike="noStrike">
               <a:latin typeface="Arial"/>
             </a:endParaRPr>
           </a:p>
           <a:p>
             <a:pPr lvl="4" marL="2160000" indent="-216000">
-              <a:lnSpc>
-                <a:spcPct val="90000"/>
-              </a:lnSpc>
               <a:spcBef>
                 <a:spcPts val="283"/>
               </a:spcBef>
@@ -8129,26 +6935,17 @@
               <a:buChar char=""/>
             </a:pPr>
             <a:r>
-              <a:rPr b="0" lang="en-US" sz="2000" spc="-1" strike="noStrike">
-                <a:solidFill>
-                  <a:srgbClr val="000000"/>
-                </a:solidFill>
+              <a:rPr b="0" lang="lt-LT" sz="2000" spc="-1" strike="noStrike">
                 <a:latin typeface="Arial"/>
               </a:rPr>
               <a:t>Fifth Outline Level</a:t>
             </a:r>
-            <a:endParaRPr b="0" lang="en-US" sz="2000" spc="-1" strike="noStrike">
-              <a:solidFill>
-                <a:srgbClr val="000000"/>
-              </a:solidFill>
+            <a:endParaRPr b="0" lang="lt-LT" sz="2000" spc="-1" strike="noStrike">
               <a:latin typeface="Arial"/>
             </a:endParaRPr>
           </a:p>
           <a:p>
             <a:pPr lvl="5" marL="2592000" indent="-216000">
-              <a:lnSpc>
-                <a:spcPct val="90000"/>
-              </a:lnSpc>
               <a:spcBef>
                 <a:spcPts val="283"/>
               </a:spcBef>
@@ -8160,26 +6957,17 @@
               <a:buChar char=""/>
             </a:pPr>
             <a:r>
-              <a:rPr b="0" lang="en-US" sz="2000" spc="-1" strike="noStrike">
-                <a:solidFill>
-                  <a:srgbClr val="000000"/>
-                </a:solidFill>
+              <a:rPr b="0" lang="lt-LT" sz="2000" spc="-1" strike="noStrike">
                 <a:latin typeface="Arial"/>
               </a:rPr>
               <a:t>Sixth Outline Level</a:t>
             </a:r>
-            <a:endParaRPr b="0" lang="en-US" sz="2000" spc="-1" strike="noStrike">
-              <a:solidFill>
-                <a:srgbClr val="000000"/>
-              </a:solidFill>
+            <a:endParaRPr b="0" lang="lt-LT" sz="2000" spc="-1" strike="noStrike">
               <a:latin typeface="Arial"/>
             </a:endParaRPr>
           </a:p>
           <a:p>
             <a:pPr lvl="6" marL="3024000" indent="-216000">
-              <a:lnSpc>
-                <a:spcPct val="90000"/>
-              </a:lnSpc>
               <a:spcBef>
                 <a:spcPts val="283"/>
               </a:spcBef>
@@ -8191,18 +6979,12 @@
               <a:buChar char=""/>
             </a:pPr>
             <a:r>
-              <a:rPr b="0" lang="en-US" sz="2000" spc="-1" strike="noStrike">
-                <a:solidFill>
-                  <a:srgbClr val="000000"/>
-                </a:solidFill>
+              <a:rPr b="0" lang="lt-LT" sz="2000" spc="-1" strike="noStrike">
                 <a:latin typeface="Arial"/>
               </a:rPr>
               <a:t>Seventh Outline Level</a:t>
             </a:r>
-            <a:endParaRPr b="0" lang="en-US" sz="2000" spc="-1" strike="noStrike">
-              <a:solidFill>
-                <a:srgbClr val="000000"/>
-              </a:solidFill>
+            <a:endParaRPr b="0" lang="lt-LT" sz="2000" spc="-1" strike="noStrike">
               <a:latin typeface="Arial"/>
             </a:endParaRPr>
           </a:p>
@@ -8261,9 +7043,9 @@
         <p:grpSpPr>
           <a:xfrm>
             <a:off x="11078640" y="458640"/>
-            <a:ext cx="631080" cy="678960"/>
+            <a:ext cx="630720" cy="678600"/>
             <a:chOff x="11078640" y="458640"/>
-            <a:chExt cx="631080" cy="678960"/>
+            <a:chExt cx="630720" cy="678600"/>
           </a:xfrm>
         </p:grpSpPr>
         <p:sp>
@@ -8275,7 +7057,7 @@
           <p:spPr>
             <a:xfrm>
               <a:off x="11078640" y="458640"/>
-              <a:ext cx="631080" cy="678960"/>
+              <a:ext cx="630720" cy="678600"/>
             </a:xfrm>
             <a:custGeom>
               <a:avLst/>
@@ -8396,7 +7178,7 @@
           <p:spPr>
             <a:xfrm>
               <a:off x="11477160" y="873000"/>
-              <a:ext cx="52560" cy="52200"/>
+              <a:ext cx="52200" cy="51840"/>
             </a:xfrm>
             <a:custGeom>
               <a:avLst/>
@@ -8452,7 +7234,7 @@
           <p:spPr>
             <a:xfrm>
               <a:off x="11259360" y="873000"/>
-              <a:ext cx="52560" cy="52200"/>
+              <a:ext cx="52200" cy="51840"/>
             </a:xfrm>
             <a:custGeom>
               <a:avLst/>
@@ -8508,7 +7290,7 @@
           <p:spPr>
             <a:xfrm>
               <a:off x="11175120" y="546480"/>
-              <a:ext cx="438480" cy="433440"/>
+              <a:ext cx="438120" cy="433080"/>
             </a:xfrm>
             <a:custGeom>
               <a:avLst/>
@@ -8863,19 +7645,16 @@
             <a:noAutofit/>
           </a:bodyPr>
           <a:p>
+            <a:pPr algn="ctr">
+              <a:buNone/>
+            </a:pPr>
             <a:r>
-              <a:rPr b="0" lang="en-US" sz="1800" spc="-1" strike="noStrike">
-                <a:solidFill>
-                  <a:srgbClr val="000000"/>
-                </a:solidFill>
+              <a:rPr b="0" lang="lt-LT" sz="4400" spc="-1" strike="noStrike">
                 <a:latin typeface="Arial"/>
               </a:rPr>
               <a:t>Click to edit the title text format</a:t>
             </a:r>
-            <a:endParaRPr b="0" lang="en-US" sz="1800" spc="-1" strike="noStrike">
-              <a:solidFill>
-                <a:srgbClr val="000000"/>
-              </a:solidFill>
+            <a:endParaRPr b="0" lang="lt-LT" sz="4400" spc="-1" strike="noStrike">
               <a:latin typeface="Arial"/>
             </a:endParaRPr>
           </a:p>
@@ -8910,9 +7689,6 @@
           </a:bodyPr>
           <a:p>
             <a:pPr marL="432000" indent="-324000">
-              <a:lnSpc>
-                <a:spcPct val="90000"/>
-              </a:lnSpc>
               <a:spcBef>
                 <a:spcPts val="1417"/>
               </a:spcBef>
@@ -8924,26 +7700,17 @@
               <a:buChar char=""/>
             </a:pPr>
             <a:r>
-              <a:rPr b="0" lang="en-US" sz="2800" spc="-1" strike="noStrike">
-                <a:solidFill>
-                  <a:srgbClr val="000000"/>
-                </a:solidFill>
+              <a:rPr b="0" lang="lt-LT" sz="3200" spc="-1" strike="noStrike">
                 <a:latin typeface="Arial"/>
               </a:rPr>
               <a:t>Click to edit the outline text format</a:t>
             </a:r>
-            <a:endParaRPr b="0" lang="en-US" sz="2800" spc="-1" strike="noStrike">
-              <a:solidFill>
-                <a:srgbClr val="000000"/>
-              </a:solidFill>
+            <a:endParaRPr b="0" lang="lt-LT" sz="3200" spc="-1" strike="noStrike">
               <a:latin typeface="Arial"/>
             </a:endParaRPr>
           </a:p>
           <a:p>
             <a:pPr lvl="1" marL="864000" indent="-324000">
-              <a:lnSpc>
-                <a:spcPct val="90000"/>
-              </a:lnSpc>
               <a:spcBef>
                 <a:spcPts val="1134"/>
               </a:spcBef>
@@ -8955,26 +7722,17 @@
               <a:buChar char=""/>
             </a:pPr>
             <a:r>
-              <a:rPr b="0" lang="en-US" sz="2000" spc="-1" strike="noStrike">
-                <a:solidFill>
-                  <a:srgbClr val="000000"/>
-                </a:solidFill>
+              <a:rPr b="0" lang="lt-LT" sz="2800" spc="-1" strike="noStrike">
                 <a:latin typeface="Arial"/>
               </a:rPr>
               <a:t>Second Outline Level</a:t>
             </a:r>
-            <a:endParaRPr b="0" lang="en-US" sz="2000" spc="-1" strike="noStrike">
-              <a:solidFill>
-                <a:srgbClr val="000000"/>
-              </a:solidFill>
+            <a:endParaRPr b="0" lang="lt-LT" sz="2800" spc="-1" strike="noStrike">
               <a:latin typeface="Arial"/>
             </a:endParaRPr>
           </a:p>
           <a:p>
             <a:pPr lvl="2" marL="1296000" indent="-288000">
-              <a:lnSpc>
-                <a:spcPct val="90000"/>
-              </a:lnSpc>
               <a:spcBef>
                 <a:spcPts val="850"/>
               </a:spcBef>
@@ -8986,26 +7744,17 @@
               <a:buChar char=""/>
             </a:pPr>
             <a:r>
-              <a:rPr b="0" lang="en-US" sz="1800" spc="-1" strike="noStrike">
-                <a:solidFill>
-                  <a:srgbClr val="000000"/>
-                </a:solidFill>
+              <a:rPr b="0" lang="lt-LT" sz="2400" spc="-1" strike="noStrike">
                 <a:latin typeface="Arial"/>
               </a:rPr>
               <a:t>Third Outline Level</a:t>
             </a:r>
-            <a:endParaRPr b="0" lang="en-US" sz="1800" spc="-1" strike="noStrike">
-              <a:solidFill>
-                <a:srgbClr val="000000"/>
-              </a:solidFill>
+            <a:endParaRPr b="0" lang="lt-LT" sz="2400" spc="-1" strike="noStrike">
               <a:latin typeface="Arial"/>
             </a:endParaRPr>
           </a:p>
           <a:p>
             <a:pPr lvl="3" marL="1728000" indent="-216000">
-              <a:lnSpc>
-                <a:spcPct val="90000"/>
-              </a:lnSpc>
               <a:spcBef>
                 <a:spcPts val="567"/>
               </a:spcBef>
@@ -9017,26 +7766,17 @@
               <a:buChar char=""/>
             </a:pPr>
             <a:r>
-              <a:rPr b="0" lang="en-US" sz="1800" spc="-1" strike="noStrike">
-                <a:solidFill>
-                  <a:srgbClr val="000000"/>
-                </a:solidFill>
+              <a:rPr b="0" lang="lt-LT" sz="2000" spc="-1" strike="noStrike">
                 <a:latin typeface="Arial"/>
               </a:rPr>
               <a:t>Fourth Outline Level</a:t>
             </a:r>
-            <a:endParaRPr b="0" lang="en-US" sz="1800" spc="-1" strike="noStrike">
-              <a:solidFill>
-                <a:srgbClr val="000000"/>
-              </a:solidFill>
+            <a:endParaRPr b="0" lang="lt-LT" sz="2000" spc="-1" strike="noStrike">
               <a:latin typeface="Arial"/>
             </a:endParaRPr>
           </a:p>
           <a:p>
             <a:pPr lvl="4" marL="2160000" indent="-216000">
-              <a:lnSpc>
-                <a:spcPct val="90000"/>
-              </a:lnSpc>
               <a:spcBef>
                 <a:spcPts val="283"/>
               </a:spcBef>
@@ -9048,26 +7788,17 @@
               <a:buChar char=""/>
             </a:pPr>
             <a:r>
-              <a:rPr b="0" lang="en-US" sz="2000" spc="-1" strike="noStrike">
-                <a:solidFill>
-                  <a:srgbClr val="000000"/>
-                </a:solidFill>
+              <a:rPr b="0" lang="lt-LT" sz="2000" spc="-1" strike="noStrike">
                 <a:latin typeface="Arial"/>
               </a:rPr>
               <a:t>Fifth Outline Level</a:t>
             </a:r>
-            <a:endParaRPr b="0" lang="en-US" sz="2000" spc="-1" strike="noStrike">
-              <a:solidFill>
-                <a:srgbClr val="000000"/>
-              </a:solidFill>
+            <a:endParaRPr b="0" lang="lt-LT" sz="2000" spc="-1" strike="noStrike">
               <a:latin typeface="Arial"/>
             </a:endParaRPr>
           </a:p>
           <a:p>
             <a:pPr lvl="5" marL="2592000" indent="-216000">
-              <a:lnSpc>
-                <a:spcPct val="90000"/>
-              </a:lnSpc>
               <a:spcBef>
                 <a:spcPts val="283"/>
               </a:spcBef>
@@ -9079,26 +7810,17 @@
               <a:buChar char=""/>
             </a:pPr>
             <a:r>
-              <a:rPr b="0" lang="en-US" sz="2000" spc="-1" strike="noStrike">
-                <a:solidFill>
-                  <a:srgbClr val="000000"/>
-                </a:solidFill>
+              <a:rPr b="0" lang="lt-LT" sz="2000" spc="-1" strike="noStrike">
                 <a:latin typeface="Arial"/>
               </a:rPr>
               <a:t>Sixth Outline Level</a:t>
             </a:r>
-            <a:endParaRPr b="0" lang="en-US" sz="2000" spc="-1" strike="noStrike">
-              <a:solidFill>
-                <a:srgbClr val="000000"/>
-              </a:solidFill>
+            <a:endParaRPr b="0" lang="lt-LT" sz="2000" spc="-1" strike="noStrike">
               <a:latin typeface="Arial"/>
             </a:endParaRPr>
           </a:p>
           <a:p>
             <a:pPr lvl="6" marL="3024000" indent="-216000">
-              <a:lnSpc>
-                <a:spcPct val="90000"/>
-              </a:lnSpc>
               <a:spcBef>
                 <a:spcPts val="283"/>
               </a:spcBef>
@@ -9110,18 +7832,12 @@
               <a:buChar char=""/>
             </a:pPr>
             <a:r>
-              <a:rPr b="0" lang="en-US" sz="2000" spc="-1" strike="noStrike">
-                <a:solidFill>
-                  <a:srgbClr val="000000"/>
-                </a:solidFill>
+              <a:rPr b="0" lang="lt-LT" sz="2000" spc="-1" strike="noStrike">
                 <a:latin typeface="Arial"/>
               </a:rPr>
               <a:t>Seventh Outline Level</a:t>
             </a:r>
-            <a:endParaRPr b="0" lang="en-US" sz="2000" spc="-1" strike="noStrike">
-              <a:solidFill>
-                <a:srgbClr val="000000"/>
-              </a:solidFill>
+            <a:endParaRPr b="0" lang="lt-LT" sz="2000" spc="-1" strike="noStrike">
               <a:latin typeface="Arial"/>
             </a:endParaRPr>
           </a:p>
@@ -9180,9 +7896,9 @@
         <p:grpSpPr>
           <a:xfrm>
             <a:off x="11078640" y="458640"/>
-            <a:ext cx="631080" cy="678960"/>
+            <a:ext cx="630720" cy="678600"/>
             <a:chOff x="11078640" y="458640"/>
-            <a:chExt cx="631080" cy="678960"/>
+            <a:chExt cx="630720" cy="678600"/>
           </a:xfrm>
         </p:grpSpPr>
         <p:sp>
@@ -9194,7 +7910,7 @@
           <p:spPr>
             <a:xfrm>
               <a:off x="11078640" y="458640"/>
-              <a:ext cx="631080" cy="678960"/>
+              <a:ext cx="630720" cy="678600"/>
             </a:xfrm>
             <a:custGeom>
               <a:avLst/>
@@ -9315,7 +8031,7 @@
           <p:spPr>
             <a:xfrm>
               <a:off x="11477160" y="873000"/>
-              <a:ext cx="52560" cy="52200"/>
+              <a:ext cx="52200" cy="51840"/>
             </a:xfrm>
             <a:custGeom>
               <a:avLst/>
@@ -9371,7 +8087,7 @@
           <p:spPr>
             <a:xfrm>
               <a:off x="11259360" y="873000"/>
-              <a:ext cx="52560" cy="52200"/>
+              <a:ext cx="52200" cy="51840"/>
             </a:xfrm>
             <a:custGeom>
               <a:avLst/>
@@ -9427,7 +8143,7 @@
           <p:spPr>
             <a:xfrm>
               <a:off x="11175120" y="546480"/>
-              <a:ext cx="438480" cy="433440"/>
+              <a:ext cx="438120" cy="433080"/>
             </a:xfrm>
             <a:custGeom>
               <a:avLst/>
@@ -9763,7 +8479,7 @@
         <p:spPr>
           <a:xfrm>
             <a:off x="-159120" y="-119160"/>
-            <a:ext cx="6253200" cy="7379640"/>
+            <a:ext cx="6252840" cy="7379280"/>
           </a:xfrm>
           <a:custGeom>
             <a:avLst/>
@@ -9819,9 +8535,9 @@
         <p:grpSpPr>
           <a:xfrm>
             <a:off x="11078640" y="458640"/>
-            <a:ext cx="631080" cy="678960"/>
+            <a:ext cx="630720" cy="678600"/>
             <a:chOff x="11078640" y="458640"/>
-            <a:chExt cx="631080" cy="678960"/>
+            <a:chExt cx="630720" cy="678600"/>
           </a:xfrm>
         </p:grpSpPr>
         <p:sp>
@@ -9833,7 +8549,7 @@
           <p:spPr>
             <a:xfrm>
               <a:off x="11078640" y="458640"/>
-              <a:ext cx="631080" cy="678960"/>
+              <a:ext cx="630720" cy="678600"/>
             </a:xfrm>
             <a:custGeom>
               <a:avLst/>
@@ -9954,7 +8670,7 @@
           <p:spPr>
             <a:xfrm>
               <a:off x="11477160" y="873000"/>
-              <a:ext cx="52560" cy="52200"/>
+              <a:ext cx="52200" cy="51840"/>
             </a:xfrm>
             <a:custGeom>
               <a:avLst/>
@@ -10010,7 +8726,7 @@
           <p:spPr>
             <a:xfrm>
               <a:off x="11259360" y="873000"/>
-              <a:ext cx="52560" cy="52200"/>
+              <a:ext cx="52200" cy="51840"/>
             </a:xfrm>
             <a:custGeom>
               <a:avLst/>
@@ -10066,7 +8782,7 @@
           <p:spPr>
             <a:xfrm>
               <a:off x="11175120" y="546480"/>
-              <a:ext cx="438480" cy="433440"/>
+              <a:ext cx="438120" cy="433080"/>
             </a:xfrm>
             <a:custGeom>
               <a:avLst/>
@@ -10421,19 +9137,16 @@
             <a:noAutofit/>
           </a:bodyPr>
           <a:p>
+            <a:pPr algn="ctr">
+              <a:buNone/>
+            </a:pPr>
             <a:r>
-              <a:rPr b="0" lang="en-US" sz="1800" spc="-1" strike="noStrike">
-                <a:solidFill>
-                  <a:srgbClr val="000000"/>
-                </a:solidFill>
+              <a:rPr b="0" lang="lt-LT" sz="4400" spc="-1" strike="noStrike">
                 <a:latin typeface="Arial"/>
               </a:rPr>
               <a:t>Click to edit the title text format</a:t>
             </a:r>
-            <a:endParaRPr b="0" lang="en-US" sz="1800" spc="-1" strike="noStrike">
-              <a:solidFill>
-                <a:srgbClr val="000000"/>
-              </a:solidFill>
+            <a:endParaRPr b="0" lang="lt-LT" sz="4400" spc="-1" strike="noStrike">
               <a:latin typeface="Arial"/>
             </a:endParaRPr>
           </a:p>
@@ -10468,9 +9181,6 @@
           </a:bodyPr>
           <a:p>
             <a:pPr marL="432000" indent="-324000">
-              <a:lnSpc>
-                <a:spcPct val="90000"/>
-              </a:lnSpc>
               <a:spcBef>
                 <a:spcPts val="1417"/>
               </a:spcBef>
@@ -10482,26 +9192,17 @@
               <a:buChar char=""/>
             </a:pPr>
             <a:r>
-              <a:rPr b="0" lang="en-US" sz="2800" spc="-1" strike="noStrike">
-                <a:solidFill>
-                  <a:srgbClr val="000000"/>
-                </a:solidFill>
+              <a:rPr b="0" lang="lt-LT" sz="3200" spc="-1" strike="noStrike">
                 <a:latin typeface="Arial"/>
               </a:rPr>
               <a:t>Click to edit the outline text format</a:t>
             </a:r>
-            <a:endParaRPr b="0" lang="en-US" sz="2800" spc="-1" strike="noStrike">
-              <a:solidFill>
-                <a:srgbClr val="000000"/>
-              </a:solidFill>
+            <a:endParaRPr b="0" lang="lt-LT" sz="3200" spc="-1" strike="noStrike">
               <a:latin typeface="Arial"/>
             </a:endParaRPr>
           </a:p>
           <a:p>
             <a:pPr lvl="1" marL="864000" indent="-324000">
-              <a:lnSpc>
-                <a:spcPct val="90000"/>
-              </a:lnSpc>
               <a:spcBef>
                 <a:spcPts val="1134"/>
               </a:spcBef>
@@ -10513,26 +9214,17 @@
               <a:buChar char=""/>
             </a:pPr>
             <a:r>
-              <a:rPr b="0" lang="en-US" sz="2000" spc="-1" strike="noStrike">
-                <a:solidFill>
-                  <a:srgbClr val="000000"/>
-                </a:solidFill>
+              <a:rPr b="0" lang="lt-LT" sz="2800" spc="-1" strike="noStrike">
                 <a:latin typeface="Arial"/>
               </a:rPr>
               <a:t>Second Outline Level</a:t>
             </a:r>
-            <a:endParaRPr b="0" lang="en-US" sz="2000" spc="-1" strike="noStrike">
-              <a:solidFill>
-                <a:srgbClr val="000000"/>
-              </a:solidFill>
+            <a:endParaRPr b="0" lang="lt-LT" sz="2800" spc="-1" strike="noStrike">
               <a:latin typeface="Arial"/>
             </a:endParaRPr>
           </a:p>
           <a:p>
             <a:pPr lvl="2" marL="1296000" indent="-288000">
-              <a:lnSpc>
-                <a:spcPct val="90000"/>
-              </a:lnSpc>
               <a:spcBef>
                 <a:spcPts val="850"/>
               </a:spcBef>
@@ -10544,26 +9236,17 @@
               <a:buChar char=""/>
             </a:pPr>
             <a:r>
-              <a:rPr b="0" lang="en-US" sz="1800" spc="-1" strike="noStrike">
-                <a:solidFill>
-                  <a:srgbClr val="000000"/>
-                </a:solidFill>
+              <a:rPr b="0" lang="lt-LT" sz="2400" spc="-1" strike="noStrike">
                 <a:latin typeface="Arial"/>
               </a:rPr>
               <a:t>Third Outline Level</a:t>
             </a:r>
-            <a:endParaRPr b="0" lang="en-US" sz="1800" spc="-1" strike="noStrike">
-              <a:solidFill>
-                <a:srgbClr val="000000"/>
-              </a:solidFill>
+            <a:endParaRPr b="0" lang="lt-LT" sz="2400" spc="-1" strike="noStrike">
               <a:latin typeface="Arial"/>
             </a:endParaRPr>
           </a:p>
           <a:p>
             <a:pPr lvl="3" marL="1728000" indent="-216000">
-              <a:lnSpc>
-                <a:spcPct val="90000"/>
-              </a:lnSpc>
               <a:spcBef>
                 <a:spcPts val="567"/>
               </a:spcBef>
@@ -10575,26 +9258,17 @@
               <a:buChar char=""/>
             </a:pPr>
             <a:r>
-              <a:rPr b="0" lang="en-US" sz="1800" spc="-1" strike="noStrike">
-                <a:solidFill>
-                  <a:srgbClr val="000000"/>
-                </a:solidFill>
+              <a:rPr b="0" lang="lt-LT" sz="2000" spc="-1" strike="noStrike">
                 <a:latin typeface="Arial"/>
               </a:rPr>
               <a:t>Fourth Outline Level</a:t>
             </a:r>
-            <a:endParaRPr b="0" lang="en-US" sz="1800" spc="-1" strike="noStrike">
-              <a:solidFill>
-                <a:srgbClr val="000000"/>
-              </a:solidFill>
+            <a:endParaRPr b="0" lang="lt-LT" sz="2000" spc="-1" strike="noStrike">
               <a:latin typeface="Arial"/>
             </a:endParaRPr>
           </a:p>
           <a:p>
             <a:pPr lvl="4" marL="2160000" indent="-216000">
-              <a:lnSpc>
-                <a:spcPct val="90000"/>
-              </a:lnSpc>
               <a:spcBef>
                 <a:spcPts val="283"/>
               </a:spcBef>
@@ -10606,26 +9280,17 @@
               <a:buChar char=""/>
             </a:pPr>
             <a:r>
-              <a:rPr b="0" lang="en-US" sz="2000" spc="-1" strike="noStrike">
-                <a:solidFill>
-                  <a:srgbClr val="000000"/>
-                </a:solidFill>
+              <a:rPr b="0" lang="lt-LT" sz="2000" spc="-1" strike="noStrike">
                 <a:latin typeface="Arial"/>
               </a:rPr>
               <a:t>Fifth Outline Level</a:t>
             </a:r>
-            <a:endParaRPr b="0" lang="en-US" sz="2000" spc="-1" strike="noStrike">
-              <a:solidFill>
-                <a:srgbClr val="000000"/>
-              </a:solidFill>
+            <a:endParaRPr b="0" lang="lt-LT" sz="2000" spc="-1" strike="noStrike">
               <a:latin typeface="Arial"/>
             </a:endParaRPr>
           </a:p>
           <a:p>
             <a:pPr lvl="5" marL="2592000" indent="-216000">
-              <a:lnSpc>
-                <a:spcPct val="90000"/>
-              </a:lnSpc>
               <a:spcBef>
                 <a:spcPts val="283"/>
               </a:spcBef>
@@ -10637,26 +9302,17 @@
               <a:buChar char=""/>
             </a:pPr>
             <a:r>
-              <a:rPr b="0" lang="en-US" sz="2000" spc="-1" strike="noStrike">
-                <a:solidFill>
-                  <a:srgbClr val="000000"/>
-                </a:solidFill>
+              <a:rPr b="0" lang="lt-LT" sz="2000" spc="-1" strike="noStrike">
                 <a:latin typeface="Arial"/>
               </a:rPr>
               <a:t>Sixth Outline Level</a:t>
             </a:r>
-            <a:endParaRPr b="0" lang="en-US" sz="2000" spc="-1" strike="noStrike">
-              <a:solidFill>
-                <a:srgbClr val="000000"/>
-              </a:solidFill>
+            <a:endParaRPr b="0" lang="lt-LT" sz="2000" spc="-1" strike="noStrike">
               <a:latin typeface="Arial"/>
             </a:endParaRPr>
           </a:p>
           <a:p>
             <a:pPr lvl="6" marL="3024000" indent="-216000">
-              <a:lnSpc>
-                <a:spcPct val="90000"/>
-              </a:lnSpc>
               <a:spcBef>
                 <a:spcPts val="283"/>
               </a:spcBef>
@@ -10668,18 +9324,12 @@
               <a:buChar char=""/>
             </a:pPr>
             <a:r>
-              <a:rPr b="0" lang="en-US" sz="2000" spc="-1" strike="noStrike">
-                <a:solidFill>
-                  <a:srgbClr val="000000"/>
-                </a:solidFill>
+              <a:rPr b="0" lang="lt-LT" sz="2000" spc="-1" strike="noStrike">
                 <a:latin typeface="Arial"/>
               </a:rPr>
               <a:t>Seventh Outline Level</a:t>
             </a:r>
-            <a:endParaRPr b="0" lang="en-US" sz="2000" spc="-1" strike="noStrike">
-              <a:solidFill>
-                <a:srgbClr val="000000"/>
-              </a:solidFill>
+            <a:endParaRPr b="0" lang="lt-LT" sz="2000" spc="-1" strike="noStrike">
               <a:latin typeface="Arial"/>
             </a:endParaRPr>
           </a:p>
@@ -10738,9 +9388,9 @@
         <p:grpSpPr>
           <a:xfrm>
             <a:off x="11078640" y="458640"/>
-            <a:ext cx="631080" cy="678960"/>
+            <a:ext cx="630720" cy="678600"/>
             <a:chOff x="11078640" y="458640"/>
-            <a:chExt cx="631080" cy="678960"/>
+            <a:chExt cx="630720" cy="678600"/>
           </a:xfrm>
         </p:grpSpPr>
         <p:sp>
@@ -10752,7 +9402,7 @@
           <p:spPr>
             <a:xfrm>
               <a:off x="11078640" y="458640"/>
-              <a:ext cx="631080" cy="678960"/>
+              <a:ext cx="630720" cy="678600"/>
             </a:xfrm>
             <a:custGeom>
               <a:avLst/>
@@ -10873,7 +9523,7 @@
           <p:spPr>
             <a:xfrm>
               <a:off x="11477160" y="873000"/>
-              <a:ext cx="52560" cy="52200"/>
+              <a:ext cx="52200" cy="51840"/>
             </a:xfrm>
             <a:custGeom>
               <a:avLst/>
@@ -10929,7 +9579,7 @@
           <p:spPr>
             <a:xfrm>
               <a:off x="11259360" y="873000"/>
-              <a:ext cx="52560" cy="52200"/>
+              <a:ext cx="52200" cy="51840"/>
             </a:xfrm>
             <a:custGeom>
               <a:avLst/>
@@ -10985,7 +9635,7 @@
           <p:spPr>
             <a:xfrm>
               <a:off x="11175120" y="546480"/>
-              <a:ext cx="438480" cy="433440"/>
+              <a:ext cx="438120" cy="433080"/>
             </a:xfrm>
             <a:custGeom>
               <a:avLst/>
@@ -11321,9 +9971,9 @@
         <p:grpSpPr>
           <a:xfrm>
             <a:off x="11078640" y="458640"/>
-            <a:ext cx="631080" cy="678960"/>
+            <a:ext cx="630720" cy="678600"/>
             <a:chOff x="11078640" y="458640"/>
-            <a:chExt cx="631080" cy="678960"/>
+            <a:chExt cx="630720" cy="678600"/>
           </a:xfrm>
         </p:grpSpPr>
         <p:sp>
@@ -11335,7 +9985,7 @@
           <p:spPr>
             <a:xfrm>
               <a:off x="11220120" y="846720"/>
-              <a:ext cx="131040" cy="105120"/>
+              <a:ext cx="130680" cy="104760"/>
             </a:xfrm>
             <a:custGeom>
               <a:avLst/>
@@ -11427,7 +10077,7 @@
           <p:spPr>
             <a:xfrm>
               <a:off x="11216880" y="710280"/>
-              <a:ext cx="355320" cy="121680"/>
+              <a:ext cx="354960" cy="121320"/>
             </a:xfrm>
             <a:custGeom>
               <a:avLst/>
@@ -11559,7 +10209,7 @@
           <p:spPr>
             <a:xfrm>
               <a:off x="11437560" y="846720"/>
-              <a:ext cx="131040" cy="105120"/>
+              <a:ext cx="130680" cy="104760"/>
             </a:xfrm>
             <a:custGeom>
               <a:avLst/>
@@ -11651,7 +10301,7 @@
           <p:spPr>
             <a:xfrm>
               <a:off x="11078640" y="458640"/>
-              <a:ext cx="631080" cy="678960"/>
+              <a:ext cx="630720" cy="678600"/>
             </a:xfrm>
             <a:custGeom>
               <a:avLst/>
@@ -11883,19 +10533,16 @@
             <a:noAutofit/>
           </a:bodyPr>
           <a:p>
+            <a:pPr algn="ctr">
+              <a:buNone/>
+            </a:pPr>
             <a:r>
-              <a:rPr b="0" lang="en-US" sz="1800" spc="-1" strike="noStrike">
-                <a:solidFill>
-                  <a:srgbClr val="000000"/>
-                </a:solidFill>
+              <a:rPr b="0" lang="lt-LT" sz="4400" spc="-1" strike="noStrike">
                 <a:latin typeface="Arial"/>
               </a:rPr>
               <a:t>Click to edit the title text format</a:t>
             </a:r>
-            <a:endParaRPr b="0" lang="en-US" sz="1800" spc="-1" strike="noStrike">
-              <a:solidFill>
-                <a:srgbClr val="000000"/>
-              </a:solidFill>
+            <a:endParaRPr b="0" lang="lt-LT" sz="4400" spc="-1" strike="noStrike">
               <a:latin typeface="Arial"/>
             </a:endParaRPr>
           </a:p>
@@ -11930,9 +10577,6 @@
           </a:bodyPr>
           <a:p>
             <a:pPr marL="432000" indent="-324000">
-              <a:lnSpc>
-                <a:spcPct val="90000"/>
-              </a:lnSpc>
               <a:spcBef>
                 <a:spcPts val="1417"/>
               </a:spcBef>
@@ -11944,26 +10588,17 @@
               <a:buChar char=""/>
             </a:pPr>
             <a:r>
-              <a:rPr b="0" lang="en-US" sz="2800" spc="-1" strike="noStrike">
-                <a:solidFill>
-                  <a:srgbClr val="000000"/>
-                </a:solidFill>
+              <a:rPr b="0" lang="lt-LT" sz="3200" spc="-1" strike="noStrike">
                 <a:latin typeface="Arial"/>
               </a:rPr>
               <a:t>Click to edit the outline text format</a:t>
             </a:r>
-            <a:endParaRPr b="0" lang="en-US" sz="2800" spc="-1" strike="noStrike">
-              <a:solidFill>
-                <a:srgbClr val="000000"/>
-              </a:solidFill>
+            <a:endParaRPr b="0" lang="lt-LT" sz="3200" spc="-1" strike="noStrike">
               <a:latin typeface="Arial"/>
             </a:endParaRPr>
           </a:p>
           <a:p>
             <a:pPr lvl="1" marL="864000" indent="-324000">
-              <a:lnSpc>
-                <a:spcPct val="90000"/>
-              </a:lnSpc>
               <a:spcBef>
                 <a:spcPts val="1134"/>
               </a:spcBef>
@@ -11975,26 +10610,17 @@
               <a:buChar char=""/>
             </a:pPr>
             <a:r>
-              <a:rPr b="0" lang="en-US" sz="2000" spc="-1" strike="noStrike">
-                <a:solidFill>
-                  <a:srgbClr val="000000"/>
-                </a:solidFill>
+              <a:rPr b="0" lang="lt-LT" sz="2800" spc="-1" strike="noStrike">
                 <a:latin typeface="Arial"/>
               </a:rPr>
               <a:t>Second Outline Level</a:t>
             </a:r>
-            <a:endParaRPr b="0" lang="en-US" sz="2000" spc="-1" strike="noStrike">
-              <a:solidFill>
-                <a:srgbClr val="000000"/>
-              </a:solidFill>
+            <a:endParaRPr b="0" lang="lt-LT" sz="2800" spc="-1" strike="noStrike">
               <a:latin typeface="Arial"/>
             </a:endParaRPr>
           </a:p>
           <a:p>
             <a:pPr lvl="2" marL="1296000" indent="-288000">
-              <a:lnSpc>
-                <a:spcPct val="90000"/>
-              </a:lnSpc>
               <a:spcBef>
                 <a:spcPts val="850"/>
               </a:spcBef>
@@ -12006,26 +10632,17 @@
               <a:buChar char=""/>
             </a:pPr>
             <a:r>
-              <a:rPr b="0" lang="en-US" sz="1800" spc="-1" strike="noStrike">
-                <a:solidFill>
-                  <a:srgbClr val="000000"/>
-                </a:solidFill>
+              <a:rPr b="0" lang="lt-LT" sz="2400" spc="-1" strike="noStrike">
                 <a:latin typeface="Arial"/>
               </a:rPr>
               <a:t>Third Outline Level</a:t>
             </a:r>
-            <a:endParaRPr b="0" lang="en-US" sz="1800" spc="-1" strike="noStrike">
-              <a:solidFill>
-                <a:srgbClr val="000000"/>
-              </a:solidFill>
+            <a:endParaRPr b="0" lang="lt-LT" sz="2400" spc="-1" strike="noStrike">
               <a:latin typeface="Arial"/>
             </a:endParaRPr>
           </a:p>
           <a:p>
             <a:pPr lvl="3" marL="1728000" indent="-216000">
-              <a:lnSpc>
-                <a:spcPct val="90000"/>
-              </a:lnSpc>
               <a:spcBef>
                 <a:spcPts val="567"/>
               </a:spcBef>
@@ -12037,26 +10654,17 @@
               <a:buChar char=""/>
             </a:pPr>
             <a:r>
-              <a:rPr b="0" lang="en-US" sz="1800" spc="-1" strike="noStrike">
-                <a:solidFill>
-                  <a:srgbClr val="000000"/>
-                </a:solidFill>
+              <a:rPr b="0" lang="lt-LT" sz="2000" spc="-1" strike="noStrike">
                 <a:latin typeface="Arial"/>
               </a:rPr>
               <a:t>Fourth Outline Level</a:t>
             </a:r>
-            <a:endParaRPr b="0" lang="en-US" sz="1800" spc="-1" strike="noStrike">
-              <a:solidFill>
-                <a:srgbClr val="000000"/>
-              </a:solidFill>
+            <a:endParaRPr b="0" lang="lt-LT" sz="2000" spc="-1" strike="noStrike">
               <a:latin typeface="Arial"/>
             </a:endParaRPr>
           </a:p>
           <a:p>
             <a:pPr lvl="4" marL="2160000" indent="-216000">
-              <a:lnSpc>
-                <a:spcPct val="90000"/>
-              </a:lnSpc>
               <a:spcBef>
                 <a:spcPts val="283"/>
               </a:spcBef>
@@ -12068,26 +10676,17 @@
               <a:buChar char=""/>
             </a:pPr>
             <a:r>
-              <a:rPr b="0" lang="en-US" sz="2000" spc="-1" strike="noStrike">
-                <a:solidFill>
-                  <a:srgbClr val="000000"/>
-                </a:solidFill>
+              <a:rPr b="0" lang="lt-LT" sz="2000" spc="-1" strike="noStrike">
                 <a:latin typeface="Arial"/>
               </a:rPr>
               <a:t>Fifth Outline Level</a:t>
             </a:r>
-            <a:endParaRPr b="0" lang="en-US" sz="2000" spc="-1" strike="noStrike">
-              <a:solidFill>
-                <a:srgbClr val="000000"/>
-              </a:solidFill>
+            <a:endParaRPr b="0" lang="lt-LT" sz="2000" spc="-1" strike="noStrike">
               <a:latin typeface="Arial"/>
             </a:endParaRPr>
           </a:p>
           <a:p>
             <a:pPr lvl="5" marL="2592000" indent="-216000">
-              <a:lnSpc>
-                <a:spcPct val="90000"/>
-              </a:lnSpc>
               <a:spcBef>
                 <a:spcPts val="283"/>
               </a:spcBef>
@@ -12099,26 +10698,17 @@
               <a:buChar char=""/>
             </a:pPr>
             <a:r>
-              <a:rPr b="0" lang="en-US" sz="2000" spc="-1" strike="noStrike">
-                <a:solidFill>
-                  <a:srgbClr val="000000"/>
-                </a:solidFill>
+              <a:rPr b="0" lang="lt-LT" sz="2000" spc="-1" strike="noStrike">
                 <a:latin typeface="Arial"/>
               </a:rPr>
               <a:t>Sixth Outline Level</a:t>
             </a:r>
-            <a:endParaRPr b="0" lang="en-US" sz="2000" spc="-1" strike="noStrike">
-              <a:solidFill>
-                <a:srgbClr val="000000"/>
-              </a:solidFill>
+            <a:endParaRPr b="0" lang="lt-LT" sz="2000" spc="-1" strike="noStrike">
               <a:latin typeface="Arial"/>
             </a:endParaRPr>
           </a:p>
           <a:p>
             <a:pPr lvl="6" marL="3024000" indent="-216000">
-              <a:lnSpc>
-                <a:spcPct val="90000"/>
-              </a:lnSpc>
               <a:spcBef>
                 <a:spcPts val="283"/>
               </a:spcBef>
@@ -12130,18 +10720,12 @@
               <a:buChar char=""/>
             </a:pPr>
             <a:r>
-              <a:rPr b="0" lang="en-US" sz="2000" spc="-1" strike="noStrike">
-                <a:solidFill>
-                  <a:srgbClr val="000000"/>
-                </a:solidFill>
+              <a:rPr b="0" lang="lt-LT" sz="2000" spc="-1" strike="noStrike">
                 <a:latin typeface="Arial"/>
               </a:rPr>
               <a:t>Seventh Outline Level</a:t>
             </a:r>
-            <a:endParaRPr b="0" lang="en-US" sz="2000" spc="-1" strike="noStrike">
-              <a:solidFill>
-                <a:srgbClr val="000000"/>
-              </a:solidFill>
+            <a:endParaRPr b="0" lang="lt-LT" sz="2000" spc="-1" strike="noStrike">
               <a:latin typeface="Arial"/>
             </a:endParaRPr>
           </a:p>
@@ -12193,7 +10777,7 @@
         <p:spPr>
           <a:xfrm>
             <a:off x="3273120" y="2618280"/>
-            <a:ext cx="7048440" cy="2934000"/>
+            <a:ext cx="7048080" cy="2933640"/>
           </a:xfrm>
           <a:prstGeom prst="rect">
             <a:avLst/>
@@ -12258,7 +10842,7 @@
         <p:spPr>
           <a:xfrm>
             <a:off x="3273120" y="5916960"/>
-            <a:ext cx="7048440" cy="925920"/>
+            <a:ext cx="7048080" cy="925560"/>
           </a:xfrm>
           <a:prstGeom prst="rect">
             <a:avLst/>
@@ -12313,7 +10897,7 @@
         <p:spPr>
           <a:xfrm>
             <a:off x="495720" y="5930280"/>
-            <a:ext cx="2265840" cy="333000"/>
+            <a:ext cx="2265480" cy="333000"/>
           </a:xfrm>
           <a:prstGeom prst="rect">
             <a:avLst/>
@@ -12369,7 +10953,7 @@
         <p:spPr>
           <a:xfrm>
             <a:off x="14449320" y="-1709640"/>
-            <a:ext cx="1833480" cy="1833480"/>
+            <a:ext cx="1833120" cy="1833120"/>
           </a:xfrm>
           <a:prstGeom prst="rect">
             <a:avLst/>
@@ -12388,9 +10972,9 @@
         <p:grpSpPr>
           <a:xfrm>
             <a:off x="9866160" y="2715120"/>
-            <a:ext cx="1833480" cy="462600"/>
+            <a:ext cx="1833120" cy="462240"/>
             <a:chOff x="9866160" y="2715120"/>
-            <a:chExt cx="1833480" cy="462600"/>
+            <a:chExt cx="1833120" cy="462240"/>
           </a:xfrm>
         </p:grpSpPr>
         <p:sp>
@@ -12402,7 +10986,7 @@
           <p:spPr>
             <a:xfrm>
               <a:off x="9866160" y="2715120"/>
-              <a:ext cx="1833480" cy="462600"/>
+              <a:ext cx="1833120" cy="462240"/>
             </a:xfrm>
             <a:prstGeom prst="roundRect">
               <a:avLst>
@@ -12432,7 +11016,7 @@
           <p:spPr>
             <a:xfrm>
               <a:off x="9979920" y="2779920"/>
-              <a:ext cx="1605960" cy="332640"/>
+              <a:ext cx="1605600" cy="332640"/>
             </a:xfrm>
             <a:prstGeom prst="rect">
               <a:avLst/>
@@ -12489,7 +11073,7 @@
         <p:spPr>
           <a:xfrm>
             <a:off x="9920160" y="406080"/>
-            <a:ext cx="1950840" cy="1950840"/>
+            <a:ext cx="1950480" cy="1950480"/>
           </a:xfrm>
           <a:prstGeom prst="rect">
             <a:avLst/>
@@ -12538,7 +11122,7 @@
         <p:spPr>
           <a:xfrm>
             <a:off x="480240" y="460800"/>
-            <a:ext cx="5613840" cy="451800"/>
+            <a:ext cx="5613480" cy="451440"/>
           </a:xfrm>
           <a:prstGeom prst="rect">
             <a:avLst/>
@@ -12593,7 +11177,7 @@
         <p:spPr>
           <a:xfrm>
             <a:off x="6492600" y="3145320"/>
-            <a:ext cx="5702400" cy="668880"/>
+            <a:ext cx="5702040" cy="668520"/>
           </a:xfrm>
           <a:prstGeom prst="rect">
             <a:avLst/>
@@ -12682,7 +11266,7 @@
         <p:spPr>
           <a:xfrm>
             <a:off x="595800" y="1841760"/>
-            <a:ext cx="4508640" cy="3656520"/>
+            <a:ext cx="4508280" cy="3656160"/>
           </a:xfrm>
           <a:prstGeom prst="rect">
             <a:avLst/>
@@ -12731,7 +11315,7 @@
         <p:spPr>
           <a:xfrm>
             <a:off x="480240" y="460800"/>
-            <a:ext cx="5613840" cy="451800"/>
+            <a:ext cx="5613480" cy="451440"/>
           </a:xfrm>
           <a:prstGeom prst="rect">
             <a:avLst/>
@@ -12786,7 +11370,7 @@
         <p:spPr>
           <a:xfrm>
             <a:off x="6492600" y="3145320"/>
-            <a:ext cx="5702400" cy="668880"/>
+            <a:ext cx="5702040" cy="668520"/>
           </a:xfrm>
           <a:prstGeom prst="rect">
             <a:avLst/>
@@ -12875,7 +11459,7 @@
         <p:spPr>
           <a:xfrm>
             <a:off x="754200" y="1718640"/>
-            <a:ext cx="4181760" cy="1655280"/>
+            <a:ext cx="4181400" cy="1654920"/>
           </a:xfrm>
           <a:prstGeom prst="rect">
             <a:avLst/>
@@ -12898,7 +11482,7 @@
         <p:spPr>
           <a:xfrm>
             <a:off x="750600" y="4126680"/>
-            <a:ext cx="4189680" cy="1575000"/>
+            <a:ext cx="4189320" cy="1574640"/>
           </a:xfrm>
           <a:prstGeom prst="rect">
             <a:avLst/>
@@ -12947,7 +11531,7 @@
         <p:spPr>
           <a:xfrm>
             <a:off x="480240" y="460800"/>
-            <a:ext cx="5613840" cy="451800"/>
+            <a:ext cx="5613480" cy="451440"/>
           </a:xfrm>
           <a:prstGeom prst="rect">
             <a:avLst/>
@@ -13002,7 +11586,7 @@
         <p:spPr>
           <a:xfrm>
             <a:off x="6492600" y="3145320"/>
-            <a:ext cx="5702400" cy="1045080"/>
+            <a:ext cx="5702040" cy="1044720"/>
           </a:xfrm>
           <a:prstGeom prst="rect">
             <a:avLst/>
@@ -13091,7 +11675,7 @@
         <p:spPr>
           <a:xfrm>
             <a:off x="789120" y="2095560"/>
-            <a:ext cx="4257360" cy="3303000"/>
+            <a:ext cx="4257000" cy="3302640"/>
           </a:xfrm>
           <a:prstGeom prst="rect">
             <a:avLst/>
@@ -13140,7 +11724,7 @@
         <p:spPr>
           <a:xfrm>
             <a:off x="480240" y="460800"/>
-            <a:ext cx="5613840" cy="451800"/>
+            <a:ext cx="5613480" cy="451440"/>
           </a:xfrm>
           <a:prstGeom prst="rect">
             <a:avLst/>
@@ -13195,7 +11779,7 @@
         <p:spPr>
           <a:xfrm>
             <a:off x="6300000" y="3145320"/>
-            <a:ext cx="5702400" cy="1045080"/>
+            <a:ext cx="5702040" cy="1044720"/>
           </a:xfrm>
           <a:prstGeom prst="rect">
             <a:avLst/>
@@ -13284,7 +11868,7 @@
         <p:spPr>
           <a:xfrm>
             <a:off x="673200" y="3039480"/>
-            <a:ext cx="4652640" cy="1145160"/>
+            <a:ext cx="4652280" cy="1144800"/>
           </a:xfrm>
           <a:prstGeom prst="rect">
             <a:avLst/>
@@ -13333,7 +11917,7 @@
         <p:spPr>
           <a:xfrm>
             <a:off x="480240" y="460800"/>
-            <a:ext cx="5613840" cy="451800"/>
+            <a:ext cx="5613480" cy="451440"/>
           </a:xfrm>
           <a:prstGeom prst="rect">
             <a:avLst/>
@@ -13388,7 +11972,7 @@
         <p:spPr>
           <a:xfrm>
             <a:off x="6300000" y="3145320"/>
-            <a:ext cx="5702400" cy="1045080"/>
+            <a:ext cx="5702040" cy="1044720"/>
           </a:xfrm>
           <a:prstGeom prst="rect">
             <a:avLst/>
@@ -13477,7 +12061,7 @@
         <p:spPr>
           <a:xfrm>
             <a:off x="509400" y="1429920"/>
-            <a:ext cx="4700880" cy="2097360"/>
+            <a:ext cx="4700520" cy="2097000"/>
           </a:xfrm>
           <a:prstGeom prst="rect">
             <a:avLst/>
@@ -13500,7 +12084,7 @@
         <p:spPr>
           <a:xfrm>
             <a:off x="508320" y="4096080"/>
-            <a:ext cx="4615920" cy="1800000"/>
+            <a:ext cx="4615560" cy="1799640"/>
           </a:xfrm>
           <a:prstGeom prst="rect">
             <a:avLst/>
@@ -13549,7 +12133,7 @@
         <p:spPr>
           <a:xfrm>
             <a:off x="480240" y="460800"/>
-            <a:ext cx="5613840" cy="451800"/>
+            <a:ext cx="5613480" cy="451440"/>
           </a:xfrm>
           <a:prstGeom prst="rect">
             <a:avLst/>
@@ -13604,7 +12188,7 @@
         <p:spPr>
           <a:xfrm>
             <a:off x="6300000" y="3145320"/>
-            <a:ext cx="5702400" cy="1045080"/>
+            <a:ext cx="5702040" cy="1044720"/>
           </a:xfrm>
           <a:prstGeom prst="rect">
             <a:avLst/>
@@ -13693,7 +12277,7 @@
         <p:spPr>
           <a:xfrm>
             <a:off x="547920" y="1281960"/>
-            <a:ext cx="4575600" cy="2219760"/>
+            <a:ext cx="4575240" cy="2219400"/>
           </a:xfrm>
           <a:prstGeom prst="rect">
             <a:avLst/>
@@ -13716,7 +12300,7 @@
         <p:spPr>
           <a:xfrm>
             <a:off x="547920" y="4119120"/>
-            <a:ext cx="4537080" cy="2121120"/>
+            <a:ext cx="4536720" cy="2120760"/>
           </a:xfrm>
           <a:prstGeom prst="rect">
             <a:avLst/>
@@ -13765,7 +12349,7 @@
         <p:spPr>
           <a:xfrm>
             <a:off x="480240" y="460800"/>
-            <a:ext cx="5613840" cy="451800"/>
+            <a:ext cx="5613480" cy="451440"/>
           </a:xfrm>
           <a:prstGeom prst="rect">
             <a:avLst/>
@@ -13820,7 +12404,7 @@
         <p:spPr>
           <a:xfrm>
             <a:off x="6367320" y="1814040"/>
-            <a:ext cx="5702400" cy="1045080"/>
+            <a:ext cx="5702040" cy="1044720"/>
           </a:xfrm>
           <a:prstGeom prst="rect">
             <a:avLst/>
@@ -13916,7 +12500,7 @@
         <p:spPr>
           <a:xfrm>
             <a:off x="6366240" y="2653920"/>
-            <a:ext cx="4233960" cy="920880"/>
+            <a:ext cx="4233600" cy="920520"/>
           </a:xfrm>
           <a:prstGeom prst="rect">
             <a:avLst/>
@@ -13986,7 +12570,7 @@
                 <a:latin typeface="Arial"/>
                 <a:ea typeface="DejaVu Sans"/>
               </a:rPr>
-              <a:t>sorted() - gražina pakeistą sąrašą</a:t>
+              <a:t>sorted() - gražina surūšiuotą sąrašo kopija</a:t>
             </a:r>
             <a:endParaRPr b="0" lang="lt-LT" sz="1600" spc="-1" strike="noStrike">
               <a:latin typeface="Arial"/>
@@ -14007,7 +12591,7 @@
         <p:spPr>
           <a:xfrm>
             <a:off x="1261800" y="1127520"/>
-            <a:ext cx="2974320" cy="3676680"/>
+            <a:ext cx="2973960" cy="3676320"/>
           </a:xfrm>
           <a:prstGeom prst="rect">
             <a:avLst/>
@@ -14030,7 +12614,7 @@
         <p:spPr>
           <a:xfrm>
             <a:off x="1261800" y="5105160"/>
-            <a:ext cx="2974320" cy="1354680"/>
+            <a:ext cx="2973960" cy="1354320"/>
           </a:xfrm>
           <a:prstGeom prst="rect">
             <a:avLst/>
@@ -14079,7 +12663,7 @@
         <p:spPr>
           <a:xfrm>
             <a:off x="480240" y="460800"/>
-            <a:ext cx="5613840" cy="451800"/>
+            <a:ext cx="5613480" cy="451440"/>
           </a:xfrm>
           <a:prstGeom prst="rect">
             <a:avLst/>
@@ -14134,7 +12718,7 @@
         <p:spPr>
           <a:xfrm>
             <a:off x="6300000" y="3145320"/>
-            <a:ext cx="5702400" cy="1045080"/>
+            <a:ext cx="5702040" cy="1044720"/>
           </a:xfrm>
           <a:prstGeom prst="rect">
             <a:avLst/>
@@ -14223,7 +12807,7 @@
         <p:spPr>
           <a:xfrm>
             <a:off x="663480" y="2905560"/>
-            <a:ext cx="4642920" cy="1036800"/>
+            <a:ext cx="4642560" cy="1036440"/>
           </a:xfrm>
           <a:prstGeom prst="rect">
             <a:avLst/>
@@ -14272,7 +12856,7 @@
         <p:spPr>
           <a:xfrm>
             <a:off x="480240" y="460800"/>
-            <a:ext cx="5613840" cy="451800"/>
+            <a:ext cx="5613480" cy="451440"/>
           </a:xfrm>
           <a:prstGeom prst="rect">
             <a:avLst/>
@@ -14327,7 +12911,7 @@
         <p:spPr>
           <a:xfrm>
             <a:off x="6270840" y="2904120"/>
-            <a:ext cx="5702400" cy="1045080"/>
+            <a:ext cx="5702040" cy="1044720"/>
           </a:xfrm>
           <a:prstGeom prst="rect">
             <a:avLst/>
@@ -14416,7 +13000,7 @@
         <p:spPr>
           <a:xfrm>
             <a:off x="663480" y="2038680"/>
-            <a:ext cx="4382640" cy="3214080"/>
+            <a:ext cx="4382280" cy="3213720"/>
           </a:xfrm>
           <a:prstGeom prst="rect">
             <a:avLst/>
@@ -14465,7 +13049,7 @@
         <p:spPr>
           <a:xfrm>
             <a:off x="480240" y="460800"/>
-            <a:ext cx="5613840" cy="451800"/>
+            <a:ext cx="5613480" cy="451440"/>
           </a:xfrm>
           <a:prstGeom prst="rect">
             <a:avLst/>
@@ -14520,7 +13104,7 @@
         <p:spPr>
           <a:xfrm>
             <a:off x="6270840" y="2904120"/>
-            <a:ext cx="5702400" cy="1045080"/>
+            <a:ext cx="5702040" cy="1044720"/>
           </a:xfrm>
           <a:prstGeom prst="rect">
             <a:avLst/>
@@ -14620,7 +13204,7 @@
         <p:spPr>
           <a:xfrm>
             <a:off x="374400" y="1541520"/>
-            <a:ext cx="5067360" cy="4372560"/>
+            <a:ext cx="5067000" cy="4372200"/>
           </a:xfrm>
           <a:prstGeom prst="rect">
             <a:avLst/>
@@ -14669,7 +13253,7 @@
         <p:spPr>
           <a:xfrm>
             <a:off x="480240" y="460800"/>
-            <a:ext cx="5613840" cy="451800"/>
+            <a:ext cx="5613480" cy="451440"/>
           </a:xfrm>
           <a:prstGeom prst="rect">
             <a:avLst/>
@@ -14724,7 +13308,7 @@
         <p:spPr>
           <a:xfrm>
             <a:off x="480240" y="1371600"/>
-            <a:ext cx="5151960" cy="1363320"/>
+            <a:ext cx="5151600" cy="1362960"/>
           </a:xfrm>
           <a:prstGeom prst="rect">
             <a:avLst/>
@@ -14776,7 +13360,7 @@
         <p:spPr>
           <a:xfrm>
             <a:off x="1398600" y="3329280"/>
-            <a:ext cx="4233960" cy="457920"/>
+            <a:ext cx="4233600" cy="457560"/>
           </a:xfrm>
           <a:prstGeom prst="rect">
             <a:avLst/>
@@ -14831,7 +13415,7 @@
         <p:spPr>
           <a:xfrm>
             <a:off x="1398600" y="4563720"/>
-            <a:ext cx="4233960" cy="528840"/>
+            <a:ext cx="4233600" cy="528480"/>
           </a:xfrm>
           <a:prstGeom prst="rect">
             <a:avLst/>
@@ -14886,9 +13470,9 @@
         <p:grpSpPr>
           <a:xfrm>
             <a:off x="480240" y="3180600"/>
-            <a:ext cx="729720" cy="729720"/>
+            <a:ext cx="729360" cy="729360"/>
             <a:chOff x="480240" y="3180600"/>
-            <a:chExt cx="729720" cy="729720"/>
+            <a:chExt cx="729360" cy="729360"/>
           </a:xfrm>
         </p:grpSpPr>
         <p:sp>
@@ -14900,7 +13484,7 @@
           <p:spPr>
             <a:xfrm>
               <a:off x="480240" y="3180600"/>
-              <a:ext cx="729720" cy="729720"/>
+              <a:ext cx="729360" cy="729360"/>
             </a:xfrm>
             <a:prstGeom prst="ellipse">
               <a:avLst/>
@@ -14928,7 +13512,7 @@
           <p:spPr>
             <a:xfrm>
               <a:off x="633240" y="3348000"/>
-              <a:ext cx="424080" cy="394200"/>
+              <a:ext cx="423720" cy="394200"/>
             </a:xfrm>
             <a:prstGeom prst="rect">
               <a:avLst/>
@@ -14981,9 +13565,9 @@
         <p:grpSpPr>
           <a:xfrm>
             <a:off x="480240" y="4369680"/>
-            <a:ext cx="729720" cy="729720"/>
+            <a:ext cx="729360" cy="729360"/>
             <a:chOff x="480240" y="4369680"/>
-            <a:chExt cx="729720" cy="729720"/>
+            <a:chExt cx="729360" cy="729360"/>
           </a:xfrm>
         </p:grpSpPr>
         <p:sp>
@@ -14995,7 +13579,7 @@
           <p:spPr>
             <a:xfrm>
               <a:off x="480240" y="4369680"/>
-              <a:ext cx="729720" cy="729720"/>
+              <a:ext cx="729360" cy="729360"/>
             </a:xfrm>
             <a:prstGeom prst="ellipse">
               <a:avLst/>
@@ -15023,7 +13607,7 @@
           <p:spPr>
             <a:xfrm>
               <a:off x="633240" y="4537440"/>
-              <a:ext cx="424080" cy="394200"/>
+              <a:ext cx="423720" cy="394200"/>
             </a:xfrm>
             <a:prstGeom prst="rect">
               <a:avLst/>
@@ -15070,13 +13654,13 @@
       <p:sp>
         <p:nvSpPr>
           <p:cNvPr id="202" name=""/>
-          <p:cNvSpPr txBox="1"/>
+          <p:cNvSpPr/>
           <p:nvPr/>
         </p:nvSpPr>
         <p:spPr>
           <a:xfrm>
             <a:off x="2088000" y="5663160"/>
-            <a:ext cx="2619000" cy="234000"/>
+            <a:ext cx="2618640" cy="233640"/>
           </a:xfrm>
           <a:prstGeom prst="rect">
             <a:avLst/>
@@ -15086,11 +13670,23 @@
             <a:noFill/>
           </a:ln>
         </p:spPr>
+        <p:style>
+          <a:lnRef idx="0"/>
+          <a:fillRef idx="0"/>
+          <a:effectRef idx="0"/>
+          <a:fontRef idx="minor"/>
+        </p:style>
         <p:txBody>
           <a:bodyPr lIns="90000" rIns="90000" tIns="45000" bIns="45000" anchor="t">
             <a:noAutofit/>
           </a:bodyPr>
           <a:p>
+            <a:pPr>
+              <a:lnSpc>
+                <a:spcPct val="100000"/>
+              </a:lnSpc>
+              <a:buNone/>
+            </a:pPr>
             <a:r>
               <a:rPr b="0" lang="lt-LT" sz="1000" spc="-1" strike="noStrike">
                 <a:latin typeface="Courier New"/>
@@ -15098,8 +13694,7 @@
               <a:t>Base.metadata.create_all(engine)</a:t>
             </a:r>
             <a:endParaRPr b="0" lang="lt-LT" sz="1000" spc="-1" strike="noStrike">
-              <a:latin typeface="Courier New"/>
-              <a:ea typeface="Courier New"/>
+              <a:latin typeface="Arial"/>
             </a:endParaRPr>
           </a:p>
         </p:txBody>
@@ -15113,9 +13708,9 @@
         <p:grpSpPr>
           <a:xfrm>
             <a:off x="480600" y="5496840"/>
-            <a:ext cx="729720" cy="729720"/>
+            <a:ext cx="729360" cy="729360"/>
             <a:chOff x="480600" y="5496840"/>
-            <a:chExt cx="729720" cy="729720"/>
+            <a:chExt cx="729360" cy="729360"/>
           </a:xfrm>
         </p:grpSpPr>
         <p:sp>
@@ -15127,7 +13722,7 @@
           <p:spPr>
             <a:xfrm>
               <a:off x="480600" y="5496840"/>
-              <a:ext cx="729720" cy="729720"/>
+              <a:ext cx="729360" cy="729360"/>
             </a:xfrm>
             <a:prstGeom prst="ellipse">
               <a:avLst/>
@@ -15155,7 +13750,7 @@
           <p:spPr>
             <a:xfrm>
               <a:off x="633600" y="5664600"/>
-              <a:ext cx="424080" cy="394200"/>
+              <a:ext cx="423720" cy="394200"/>
             </a:xfrm>
             <a:prstGeom prst="rect">
               <a:avLst/>
@@ -15208,7 +13803,7 @@
         <p:spPr>
           <a:xfrm>
             <a:off x="1382040" y="5627160"/>
-            <a:ext cx="4233960" cy="528840"/>
+            <a:ext cx="4233600" cy="528480"/>
           </a:xfrm>
           <a:prstGeom prst="rect">
             <a:avLst/>
@@ -15293,7 +13888,7 @@
         <p:spPr>
           <a:xfrm>
             <a:off x="480240" y="460800"/>
-            <a:ext cx="5613840" cy="451800"/>
+            <a:ext cx="5613480" cy="451440"/>
           </a:xfrm>
           <a:prstGeom prst="rect">
             <a:avLst/>
@@ -15362,9 +13957,9 @@
         <p:grpSpPr>
           <a:xfrm>
             <a:off x="479880" y="898200"/>
-            <a:ext cx="1833480" cy="462600"/>
+            <a:ext cx="1833120" cy="462240"/>
             <a:chOff x="479880" y="898200"/>
-            <a:chExt cx="1833480" cy="462600"/>
+            <a:chExt cx="1833120" cy="462240"/>
           </a:xfrm>
         </p:grpSpPr>
         <p:sp>
@@ -15376,7 +13971,7 @@
           <p:spPr>
             <a:xfrm>
               <a:off x="479880" y="898200"/>
-              <a:ext cx="1833480" cy="462600"/>
+              <a:ext cx="1833120" cy="462240"/>
             </a:xfrm>
             <a:prstGeom prst="roundRect">
               <a:avLst>
@@ -15406,7 +14001,7 @@
           <p:spPr>
             <a:xfrm>
               <a:off x="593640" y="962640"/>
-              <a:ext cx="1605960" cy="333000"/>
+              <a:ext cx="1605600" cy="332640"/>
             </a:xfrm>
             <a:prstGeom prst="rect">
               <a:avLst/>
@@ -15463,7 +14058,7 @@
         <p:spPr>
           <a:xfrm>
             <a:off x="480240" y="1441440"/>
-            <a:ext cx="11230200" cy="5226480"/>
+            <a:ext cx="11229840" cy="5226120"/>
           </a:xfrm>
           <a:prstGeom prst="rect">
             <a:avLst/>
@@ -15482,7 +14077,7 @@
         <p:spPr>
           <a:xfrm>
             <a:off x="594000" y="1832400"/>
-            <a:ext cx="10717560" cy="4563000"/>
+            <a:ext cx="10717200" cy="4562640"/>
           </a:xfrm>
           <a:prstGeom prst="rect">
             <a:avLst/>
@@ -15721,7 +14316,7 @@
         <p:spPr>
           <a:xfrm>
             <a:off x="480240" y="460800"/>
-            <a:ext cx="5613840" cy="451800"/>
+            <a:ext cx="5613480" cy="451440"/>
           </a:xfrm>
           <a:prstGeom prst="rect">
             <a:avLst/>
@@ -15790,9 +14385,9 @@
         <p:grpSpPr>
           <a:xfrm>
             <a:off x="479880" y="898200"/>
-            <a:ext cx="1833480" cy="462600"/>
+            <a:ext cx="1833120" cy="462240"/>
             <a:chOff x="479880" y="898200"/>
-            <a:chExt cx="1833480" cy="462600"/>
+            <a:chExt cx="1833120" cy="462240"/>
           </a:xfrm>
         </p:grpSpPr>
         <p:sp>
@@ -15804,7 +14399,7 @@
           <p:spPr>
             <a:xfrm>
               <a:off x="479880" y="898200"/>
-              <a:ext cx="1833480" cy="462600"/>
+              <a:ext cx="1833120" cy="462240"/>
             </a:xfrm>
             <a:prstGeom prst="roundRect">
               <a:avLst>
@@ -15834,7 +14429,7 @@
           <p:spPr>
             <a:xfrm>
               <a:off x="593640" y="961920"/>
-              <a:ext cx="1605960" cy="334080"/>
+              <a:ext cx="1605600" cy="333720"/>
             </a:xfrm>
             <a:prstGeom prst="rect">
               <a:avLst/>
@@ -15891,7 +14486,7 @@
         <p:spPr>
           <a:xfrm>
             <a:off x="480240" y="1441440"/>
-            <a:ext cx="11230200" cy="5226480"/>
+            <a:ext cx="11229840" cy="5226120"/>
           </a:xfrm>
           <a:prstGeom prst="rect">
             <a:avLst/>
@@ -15910,7 +14505,7 @@
         <p:spPr>
           <a:xfrm>
             <a:off x="594000" y="1832400"/>
-            <a:ext cx="10717560" cy="4563000"/>
+            <a:ext cx="10717200" cy="4562640"/>
           </a:xfrm>
           <a:prstGeom prst="rect">
             <a:avLst/>
@@ -16310,7 +14905,7 @@
         <p:spPr>
           <a:xfrm>
             <a:off x="480240" y="460800"/>
-            <a:ext cx="5613840" cy="451800"/>
+            <a:ext cx="5613480" cy="451440"/>
           </a:xfrm>
           <a:prstGeom prst="rect">
             <a:avLst/>
@@ -16379,9 +14974,9 @@
         <p:grpSpPr>
           <a:xfrm>
             <a:off x="479880" y="840240"/>
-            <a:ext cx="1833480" cy="577440"/>
+            <a:ext cx="1833120" cy="577080"/>
             <a:chOff x="479880" y="840240"/>
-            <a:chExt cx="1833480" cy="577440"/>
+            <a:chExt cx="1833120" cy="577080"/>
           </a:xfrm>
         </p:grpSpPr>
         <p:sp>
@@ -16393,7 +14988,7 @@
           <p:spPr>
             <a:xfrm>
               <a:off x="479880" y="898200"/>
-              <a:ext cx="1833480" cy="462600"/>
+              <a:ext cx="1833120" cy="462240"/>
             </a:xfrm>
             <a:prstGeom prst="roundRect">
               <a:avLst>
@@ -16423,7 +15018,7 @@
           <p:spPr>
             <a:xfrm>
               <a:off x="593640" y="840240"/>
-              <a:ext cx="1605960" cy="577440"/>
+              <a:ext cx="1605600" cy="577080"/>
             </a:xfrm>
             <a:prstGeom prst="rect">
               <a:avLst/>
@@ -16491,7 +15086,7 @@
         <p:spPr>
           <a:xfrm>
             <a:off x="480240" y="1441440"/>
-            <a:ext cx="11230200" cy="5226480"/>
+            <a:ext cx="11229840" cy="5226120"/>
           </a:xfrm>
           <a:prstGeom prst="rect">
             <a:avLst/>
@@ -16510,7 +15105,7 @@
         <p:spPr>
           <a:xfrm>
             <a:off x="594000" y="1832400"/>
-            <a:ext cx="10717560" cy="4563000"/>
+            <a:ext cx="10717200" cy="4562640"/>
           </a:xfrm>
           <a:prstGeom prst="rect">
             <a:avLst/>
@@ -16831,7 +15426,7 @@
         <p:spPr>
           <a:xfrm>
             <a:off x="480240" y="460800"/>
-            <a:ext cx="5613840" cy="451800"/>
+            <a:ext cx="5613480" cy="451440"/>
           </a:xfrm>
           <a:prstGeom prst="rect">
             <a:avLst/>
@@ -16900,9 +15495,9 @@
         <p:grpSpPr>
           <a:xfrm>
             <a:off x="479880" y="898200"/>
-            <a:ext cx="1833480" cy="462600"/>
+            <a:ext cx="1833120" cy="462240"/>
             <a:chOff x="479880" y="898200"/>
-            <a:chExt cx="1833480" cy="462600"/>
+            <a:chExt cx="1833120" cy="462240"/>
           </a:xfrm>
         </p:grpSpPr>
         <p:sp>
@@ -16914,7 +15509,7 @@
           <p:spPr>
             <a:xfrm>
               <a:off x="479880" y="898200"/>
-              <a:ext cx="1833480" cy="462600"/>
+              <a:ext cx="1833120" cy="462240"/>
             </a:xfrm>
             <a:prstGeom prst="roundRect">
               <a:avLst>
@@ -16944,7 +15539,7 @@
           <p:spPr>
             <a:xfrm>
               <a:off x="593640" y="961920"/>
-              <a:ext cx="1605960" cy="334080"/>
+              <a:ext cx="1605600" cy="333720"/>
             </a:xfrm>
             <a:prstGeom prst="rect">
               <a:avLst/>
@@ -17001,7 +15596,7 @@
         <p:spPr>
           <a:xfrm>
             <a:off x="480240" y="1441440"/>
-            <a:ext cx="11230200" cy="5226480"/>
+            <a:ext cx="11229840" cy="5226120"/>
           </a:xfrm>
           <a:prstGeom prst="rect">
             <a:avLst/>
@@ -17020,7 +15615,7 @@
         <p:spPr>
           <a:xfrm>
             <a:off x="594000" y="1832400"/>
-            <a:ext cx="10717560" cy="4563000"/>
+            <a:ext cx="10717200" cy="4562640"/>
           </a:xfrm>
           <a:prstGeom prst="rect">
             <a:avLst/>
@@ -17425,7 +16020,7 @@
         <p:spPr>
           <a:xfrm>
             <a:off x="480240" y="460800"/>
-            <a:ext cx="5613840" cy="451800"/>
+            <a:ext cx="5613480" cy="451440"/>
           </a:xfrm>
           <a:prstGeom prst="rect">
             <a:avLst/>
@@ -17505,9 +16100,9 @@
         <p:grpSpPr>
           <a:xfrm>
             <a:off x="480240" y="914400"/>
-            <a:ext cx="1833480" cy="462600"/>
+            <a:ext cx="1833120" cy="462240"/>
             <a:chOff x="480240" y="914400"/>
-            <a:chExt cx="1833480" cy="462600"/>
+            <a:chExt cx="1833120" cy="462240"/>
           </a:xfrm>
         </p:grpSpPr>
         <p:sp>
@@ -17519,7 +16114,7 @@
           <p:spPr>
             <a:xfrm>
               <a:off x="480240" y="914400"/>
-              <a:ext cx="1833480" cy="462600"/>
+              <a:ext cx="1833120" cy="462240"/>
             </a:xfrm>
             <a:prstGeom prst="roundRect">
               <a:avLst>
@@ -17549,7 +16144,7 @@
           <p:spPr>
             <a:xfrm>
               <a:off x="594000" y="978840"/>
-              <a:ext cx="1605960" cy="333000"/>
+              <a:ext cx="1605600" cy="332640"/>
             </a:xfrm>
             <a:prstGeom prst="rect">
               <a:avLst/>
@@ -17606,7 +16201,7 @@
         <p:spPr>
           <a:xfrm>
             <a:off x="479880" y="1441440"/>
-            <a:ext cx="11230200" cy="5226480"/>
+            <a:ext cx="11229840" cy="5226120"/>
           </a:xfrm>
           <a:prstGeom prst="rect">
             <a:avLst/>
@@ -17625,7 +16220,7 @@
         <p:spPr>
           <a:xfrm>
             <a:off x="594000" y="1832400"/>
-            <a:ext cx="10717560" cy="4563000"/>
+            <a:ext cx="10717200" cy="4562640"/>
           </a:xfrm>
           <a:prstGeom prst="rect">
             <a:avLst/>
@@ -17710,7 +16305,7 @@
         <p:spPr>
           <a:xfrm>
             <a:off x="480240" y="460800"/>
-            <a:ext cx="5613840" cy="451800"/>
+            <a:ext cx="5613480" cy="451440"/>
           </a:xfrm>
           <a:prstGeom prst="rect">
             <a:avLst/>
@@ -17765,7 +16360,7 @@
         <p:spPr>
           <a:xfrm>
             <a:off x="480240" y="1371600"/>
-            <a:ext cx="5151960" cy="1363320"/>
+            <a:ext cx="5151600" cy="1362960"/>
           </a:xfrm>
           <a:prstGeom prst="rect">
             <a:avLst/>
@@ -17817,7 +16412,7 @@
         <p:spPr>
           <a:xfrm>
             <a:off x="1398600" y="3329280"/>
-            <a:ext cx="4233960" cy="457920"/>
+            <a:ext cx="4233600" cy="457560"/>
           </a:xfrm>
           <a:prstGeom prst="rect">
             <a:avLst/>
@@ -17872,7 +16467,7 @@
         <p:spPr>
           <a:xfrm>
             <a:off x="1398600" y="4563720"/>
-            <a:ext cx="4233960" cy="528840"/>
+            <a:ext cx="4233600" cy="528480"/>
           </a:xfrm>
           <a:prstGeom prst="rect">
             <a:avLst/>
@@ -17927,7 +16522,7 @@
         <p:spPr>
           <a:xfrm>
             <a:off x="1398600" y="5697000"/>
-            <a:ext cx="4455000" cy="329400"/>
+            <a:ext cx="4454640" cy="329040"/>
           </a:xfrm>
           <a:prstGeom prst="rect">
             <a:avLst/>
@@ -17982,9 +16577,9 @@
         <p:grpSpPr>
           <a:xfrm>
             <a:off x="480240" y="3180600"/>
-            <a:ext cx="729720" cy="729720"/>
+            <a:ext cx="729360" cy="729360"/>
             <a:chOff x="480240" y="3180600"/>
-            <a:chExt cx="729720" cy="729720"/>
+            <a:chExt cx="729360" cy="729360"/>
           </a:xfrm>
         </p:grpSpPr>
         <p:sp>
@@ -17996,7 +16591,7 @@
           <p:spPr>
             <a:xfrm>
               <a:off x="480240" y="3180600"/>
-              <a:ext cx="729720" cy="729720"/>
+              <a:ext cx="729360" cy="729360"/>
             </a:xfrm>
             <a:prstGeom prst="ellipse">
               <a:avLst/>
@@ -18024,7 +16619,7 @@
           <p:spPr>
             <a:xfrm>
               <a:off x="633240" y="3348000"/>
-              <a:ext cx="424080" cy="394200"/>
+              <a:ext cx="423720" cy="394200"/>
             </a:xfrm>
             <a:prstGeom prst="rect">
               <a:avLst/>
@@ -18077,9 +16672,9 @@
         <p:grpSpPr>
           <a:xfrm>
             <a:off x="480240" y="4369680"/>
-            <a:ext cx="729720" cy="729720"/>
+            <a:ext cx="729360" cy="729360"/>
             <a:chOff x="480240" y="4369680"/>
-            <a:chExt cx="729720" cy="729720"/>
+            <a:chExt cx="729360" cy="729360"/>
           </a:xfrm>
         </p:grpSpPr>
         <p:sp>
@@ -18091,7 +16686,7 @@
           <p:spPr>
             <a:xfrm>
               <a:off x="480240" y="4369680"/>
-              <a:ext cx="729720" cy="729720"/>
+              <a:ext cx="729360" cy="729360"/>
             </a:xfrm>
             <a:prstGeom prst="ellipse">
               <a:avLst/>
@@ -18119,7 +16714,7 @@
           <p:spPr>
             <a:xfrm>
               <a:off x="633240" y="4537440"/>
-              <a:ext cx="424080" cy="394200"/>
+              <a:ext cx="423720" cy="394200"/>
             </a:xfrm>
             <a:prstGeom prst="rect">
               <a:avLst/>
@@ -18172,9 +16767,9 @@
         <p:grpSpPr>
           <a:xfrm>
             <a:off x="480240" y="5496840"/>
-            <a:ext cx="729720" cy="729720"/>
+            <a:ext cx="729360" cy="729360"/>
             <a:chOff x="480240" y="5496840"/>
-            <a:chExt cx="729720" cy="729720"/>
+            <a:chExt cx="729360" cy="729360"/>
           </a:xfrm>
         </p:grpSpPr>
         <p:sp>
@@ -18186,7 +16781,7 @@
           <p:spPr>
             <a:xfrm>
               <a:off x="480240" y="5496840"/>
-              <a:ext cx="729720" cy="729720"/>
+              <a:ext cx="729360" cy="729360"/>
             </a:xfrm>
             <a:prstGeom prst="ellipse">
               <a:avLst/>
@@ -18214,7 +16809,7 @@
           <p:spPr>
             <a:xfrm>
               <a:off x="633240" y="5664600"/>
-              <a:ext cx="424080" cy="394200"/>
+              <a:ext cx="423720" cy="394200"/>
             </a:xfrm>
             <a:prstGeom prst="rect">
               <a:avLst/>
@@ -18297,7 +16892,7 @@
         <p:spPr>
           <a:xfrm>
             <a:off x="480240" y="460800"/>
-            <a:ext cx="5613840" cy="451800"/>
+            <a:ext cx="5613480" cy="451440"/>
           </a:xfrm>
           <a:prstGeom prst="rect">
             <a:avLst/>
@@ -18352,7 +16947,7 @@
         <p:spPr>
           <a:xfrm>
             <a:off x="6492600" y="3145320"/>
-            <a:ext cx="5702400" cy="668880"/>
+            <a:ext cx="5702040" cy="668520"/>
           </a:xfrm>
           <a:prstGeom prst="rect">
             <a:avLst/>
@@ -18430,7 +17025,7 @@
         <p:spPr>
           <a:xfrm>
             <a:off x="1126440" y="1120680"/>
-            <a:ext cx="3263760" cy="2513880"/>
+            <a:ext cx="3263400" cy="2513520"/>
           </a:xfrm>
           <a:prstGeom prst="rect">
             <a:avLst/>
@@ -18453,7 +17048,7 @@
         <p:spPr>
           <a:xfrm>
             <a:off x="1126440" y="3859560"/>
-            <a:ext cx="3263760" cy="2514240"/>
+            <a:ext cx="3263400" cy="2513880"/>
           </a:xfrm>
           <a:prstGeom prst="rect">
             <a:avLst/>
@@ -18502,7 +17097,7 @@
         <p:spPr>
           <a:xfrm>
             <a:off x="480240" y="460800"/>
-            <a:ext cx="5613840" cy="451800"/>
+            <a:ext cx="5613480" cy="451440"/>
           </a:xfrm>
           <a:prstGeom prst="rect">
             <a:avLst/>
@@ -18557,7 +17152,7 @@
         <p:spPr>
           <a:xfrm>
             <a:off x="6492600" y="3145320"/>
-            <a:ext cx="5702400" cy="668880"/>
+            <a:ext cx="5702040" cy="668520"/>
           </a:xfrm>
           <a:prstGeom prst="rect">
             <a:avLst/>
@@ -18635,7 +17230,7 @@
         <p:spPr>
           <a:xfrm>
             <a:off x="1179360" y="1555920"/>
-            <a:ext cx="3254400" cy="2347560"/>
+            <a:ext cx="3254040" cy="2347200"/>
           </a:xfrm>
           <a:prstGeom prst="rect">
             <a:avLst/>
@@ -18658,7 +17253,7 @@
         <p:spPr>
           <a:xfrm>
             <a:off x="817920" y="4501440"/>
-            <a:ext cx="3987000" cy="1114560"/>
+            <a:ext cx="3986640" cy="1114200"/>
           </a:xfrm>
           <a:prstGeom prst="rect">
             <a:avLst/>
@@ -18707,7 +17302,7 @@
         <p:spPr>
           <a:xfrm>
             <a:off x="480240" y="460800"/>
-            <a:ext cx="5613840" cy="451800"/>
+            <a:ext cx="5613480" cy="451440"/>
           </a:xfrm>
           <a:prstGeom prst="rect">
             <a:avLst/>
@@ -18762,7 +17357,7 @@
         <p:spPr>
           <a:xfrm>
             <a:off x="6492600" y="3145320"/>
-            <a:ext cx="5702400" cy="1141560"/>
+            <a:ext cx="5702040" cy="1141200"/>
           </a:xfrm>
           <a:prstGeom prst="rect">
             <a:avLst/>
@@ -18851,7 +17446,7 @@
         <p:spPr>
           <a:xfrm>
             <a:off x="654120" y="1816200"/>
-            <a:ext cx="4517640" cy="3630600"/>
+            <a:ext cx="4517280" cy="3630240"/>
           </a:xfrm>
           <a:prstGeom prst="rect">
             <a:avLst/>
@@ -18900,7 +17495,7 @@
         <p:spPr>
           <a:xfrm>
             <a:off x="480240" y="460800"/>
-            <a:ext cx="5613840" cy="451800"/>
+            <a:ext cx="5613480" cy="451440"/>
           </a:xfrm>
           <a:prstGeom prst="rect">
             <a:avLst/>
@@ -18955,7 +17550,7 @@
         <p:spPr>
           <a:xfrm>
             <a:off x="6492600" y="3145320"/>
-            <a:ext cx="5702400" cy="668880"/>
+            <a:ext cx="5702040" cy="668520"/>
           </a:xfrm>
           <a:prstGeom prst="rect">
             <a:avLst/>
@@ -19044,7 +17639,7 @@
         <p:spPr>
           <a:xfrm>
             <a:off x="682920" y="1281240"/>
-            <a:ext cx="4044960" cy="1382040"/>
+            <a:ext cx="4044600" cy="1381680"/>
           </a:xfrm>
           <a:prstGeom prst="rect">
             <a:avLst/>
@@ -19067,7 +17662,7 @@
         <p:spPr>
           <a:xfrm>
             <a:off x="682920" y="3050640"/>
-            <a:ext cx="4044960" cy="1316160"/>
+            <a:ext cx="4044600" cy="1315800"/>
           </a:xfrm>
           <a:prstGeom prst="rect">
             <a:avLst/>
@@ -19090,7 +17685,7 @@
         <p:spPr>
           <a:xfrm>
             <a:off x="731160" y="4758120"/>
-            <a:ext cx="3996720" cy="1151280"/>
+            <a:ext cx="3996360" cy="1150920"/>
           </a:xfrm>
           <a:prstGeom prst="rect">
             <a:avLst/>
@@ -19139,7 +17734,7 @@
         <p:spPr>
           <a:xfrm>
             <a:off x="480240" y="460800"/>
-            <a:ext cx="5613840" cy="451800"/>
+            <a:ext cx="5613480" cy="451440"/>
           </a:xfrm>
           <a:prstGeom prst="rect">
             <a:avLst/>
@@ -19194,7 +17789,7 @@
         <p:spPr>
           <a:xfrm>
             <a:off x="6492600" y="3145320"/>
-            <a:ext cx="5702400" cy="668880"/>
+            <a:ext cx="5702040" cy="668520"/>
           </a:xfrm>
           <a:prstGeom prst="rect">
             <a:avLst/>
@@ -19283,7 +17878,7 @@
         <p:spPr>
           <a:xfrm>
             <a:off x="721440" y="1504440"/>
-            <a:ext cx="4151160" cy="1794240"/>
+            <a:ext cx="4150800" cy="1793880"/>
           </a:xfrm>
           <a:prstGeom prst="rect">
             <a:avLst/>
@@ -19306,7 +17901,7 @@
         <p:spPr>
           <a:xfrm>
             <a:off x="721440" y="4119120"/>
-            <a:ext cx="4151160" cy="1676880"/>
+            <a:ext cx="4150800" cy="1676520"/>
           </a:xfrm>
           <a:prstGeom prst="rect">
             <a:avLst/>
@@ -19355,7 +17950,7 @@
         <p:spPr>
           <a:xfrm>
             <a:off x="480240" y="460800"/>
-            <a:ext cx="5613840" cy="451800"/>
+            <a:ext cx="5613480" cy="451440"/>
           </a:xfrm>
           <a:prstGeom prst="rect">
             <a:avLst/>
@@ -19410,7 +18005,7 @@
         <p:spPr>
           <a:xfrm>
             <a:off x="6492600" y="3145320"/>
-            <a:ext cx="5702400" cy="668880"/>
+            <a:ext cx="5702040" cy="668520"/>
           </a:xfrm>
           <a:prstGeom prst="rect">
             <a:avLst/>
@@ -19499,7 +18094,7 @@
         <p:spPr>
           <a:xfrm>
             <a:off x="692640" y="2121120"/>
-            <a:ext cx="4353480" cy="3387240"/>
+            <a:ext cx="4353120" cy="3386880"/>
           </a:xfrm>
           <a:prstGeom prst="rect">
             <a:avLst/>
